--- a/ControllerLayout.pptx
+++ b/ControllerLayout.pptx
@@ -6,8 +6,7 @@
   </p:sldMasterIdLst>
   <p:sldIdLst>
     <p:sldId id="256" r:id="rId2"/>
-    <p:sldId id="258" r:id="rId3"/>
-    <p:sldId id="257" r:id="rId4"/>
+    <p:sldId id="257" r:id="rId3"/>
   </p:sldIdLst>
   <p:sldSz cx="9144000" cy="6858000" type="screen4x3"/>
   <p:notesSz cx="7010400" cy="9372600"/>
@@ -291,7 +290,7 @@
             <a:fld id="{D959F413-3B1F-4EDA-9678-B877E1C4A860}" type="datetimeFigureOut">
               <a:rPr lang="en-US" smtClean="0"/>
               <a:pPr/>
-              <a:t>3/3/2012</a:t>
+              <a:t>2/4/2013</a:t>
             </a:fld>
             <a:endParaRPr lang="en-US"/>
           </a:p>
@@ -458,7 +457,7 @@
             <a:fld id="{D959F413-3B1F-4EDA-9678-B877E1C4A860}" type="datetimeFigureOut">
               <a:rPr lang="en-US" smtClean="0"/>
               <a:pPr/>
-              <a:t>3/3/2012</a:t>
+              <a:t>2/4/2013</a:t>
             </a:fld>
             <a:endParaRPr lang="en-US"/>
           </a:p>
@@ -635,7 +634,7 @@
             <a:fld id="{D959F413-3B1F-4EDA-9678-B877E1C4A860}" type="datetimeFigureOut">
               <a:rPr lang="en-US" smtClean="0"/>
               <a:pPr/>
-              <a:t>3/3/2012</a:t>
+              <a:t>2/4/2013</a:t>
             </a:fld>
             <a:endParaRPr lang="en-US"/>
           </a:p>
@@ -802,7 +801,7 @@
             <a:fld id="{D959F413-3B1F-4EDA-9678-B877E1C4A860}" type="datetimeFigureOut">
               <a:rPr lang="en-US" smtClean="0"/>
               <a:pPr/>
-              <a:t>3/3/2012</a:t>
+              <a:t>2/4/2013</a:t>
             </a:fld>
             <a:endParaRPr lang="en-US"/>
           </a:p>
@@ -1045,7 +1044,7 @@
             <a:fld id="{D959F413-3B1F-4EDA-9678-B877E1C4A860}" type="datetimeFigureOut">
               <a:rPr lang="en-US" smtClean="0"/>
               <a:pPr/>
-              <a:t>3/3/2012</a:t>
+              <a:t>2/4/2013</a:t>
             </a:fld>
             <a:endParaRPr lang="en-US"/>
           </a:p>
@@ -1330,7 +1329,7 @@
             <a:fld id="{D959F413-3B1F-4EDA-9678-B877E1C4A860}" type="datetimeFigureOut">
               <a:rPr lang="en-US" smtClean="0"/>
               <a:pPr/>
-              <a:t>3/3/2012</a:t>
+              <a:t>2/4/2013</a:t>
             </a:fld>
             <a:endParaRPr lang="en-US"/>
           </a:p>
@@ -1749,7 +1748,7 @@
             <a:fld id="{D959F413-3B1F-4EDA-9678-B877E1C4A860}" type="datetimeFigureOut">
               <a:rPr lang="en-US" smtClean="0"/>
               <a:pPr/>
-              <a:t>3/3/2012</a:t>
+              <a:t>2/4/2013</a:t>
             </a:fld>
             <a:endParaRPr lang="en-US"/>
           </a:p>
@@ -1864,7 +1863,7 @@
             <a:fld id="{D959F413-3B1F-4EDA-9678-B877E1C4A860}" type="datetimeFigureOut">
               <a:rPr lang="en-US" smtClean="0"/>
               <a:pPr/>
-              <a:t>3/3/2012</a:t>
+              <a:t>2/4/2013</a:t>
             </a:fld>
             <a:endParaRPr lang="en-US"/>
           </a:p>
@@ -1956,7 +1955,7 @@
             <a:fld id="{D959F413-3B1F-4EDA-9678-B877E1C4A860}" type="datetimeFigureOut">
               <a:rPr lang="en-US" smtClean="0"/>
               <a:pPr/>
-              <a:t>3/3/2012</a:t>
+              <a:t>2/4/2013</a:t>
             </a:fld>
             <a:endParaRPr lang="en-US"/>
           </a:p>
@@ -2230,7 +2229,7 @@
             <a:fld id="{D959F413-3B1F-4EDA-9678-B877E1C4A860}" type="datetimeFigureOut">
               <a:rPr lang="en-US" smtClean="0"/>
               <a:pPr/>
-              <a:t>3/3/2012</a:t>
+              <a:t>2/4/2013</a:t>
             </a:fld>
             <a:endParaRPr lang="en-US"/>
           </a:p>
@@ -2484,7 +2483,7 @@
             <a:fld id="{D959F413-3B1F-4EDA-9678-B877E1C4A860}" type="datetimeFigureOut">
               <a:rPr lang="en-US" smtClean="0"/>
               <a:pPr/>
-              <a:t>3/3/2012</a:t>
+              <a:t>2/4/2013</a:t>
             </a:fld>
             <a:endParaRPr lang="en-US"/>
           </a:p>
@@ -2694,7 +2693,7 @@
             <a:fld id="{D959F413-3B1F-4EDA-9678-B877E1C4A860}" type="datetimeFigureOut">
               <a:rPr lang="en-US" smtClean="0"/>
               <a:pPr/>
-              <a:t>3/3/2012</a:t>
+              <a:t>2/4/2013</a:t>
             </a:fld>
             <a:endParaRPr lang="en-US"/>
           </a:p>
@@ -3139,8 +3138,8 @@
         </p:nvSpPr>
         <p:spPr>
           <a:xfrm>
-            <a:off x="3276600" y="152400"/>
-            <a:ext cx="1524000" cy="307777"/>
+            <a:off x="3733800" y="152400"/>
+            <a:ext cx="914400" cy="276999"/>
           </a:xfrm>
           <a:prstGeom prst="rect">
             <a:avLst/>
@@ -3163,11 +3162,7 @@
             <a:pPr algn="ctr"/>
             <a:r>
               <a:rPr lang="en-US" sz="1200" dirty="0" smtClean="0"/>
-              <a:t>Auto </a:t>
-            </a:r>
-            <a:r>
-              <a:rPr lang="en-US" sz="1400" dirty="0" smtClean="0"/>
-              <a:t>Mode</a:t>
+              <a:t>PTO Test</a:t>
             </a:r>
             <a:endParaRPr lang="en-US" sz="1400" dirty="0"/>
           </a:p>
@@ -3182,9 +3177,9 @@
           <p:nvPr/>
         </p:nvCxnSpPr>
         <p:spPr>
-          <a:xfrm flipH="1">
-            <a:off x="3581400" y="460177"/>
-            <a:ext cx="457200" cy="911423"/>
+          <a:xfrm rot="5400000">
+            <a:off x="3377002" y="633801"/>
+            <a:ext cx="1018401" cy="609596"/>
           </a:xfrm>
           <a:prstGeom prst="straightConnector1">
             <a:avLst/>
@@ -3240,7 +3235,7 @@
             <a:pPr algn="ctr"/>
             <a:r>
               <a:rPr lang="en-US" sz="1200" dirty="0" smtClean="0"/>
-              <a:t>Ramp</a:t>
+              <a:t>Climb</a:t>
             </a:r>
             <a:endParaRPr lang="en-US" sz="1200" dirty="0"/>
           </a:p>
@@ -3309,10 +3304,6 @@
           <a:lstStyle/>
           <a:p>
             <a:pPr algn="ctr"/>
-            <a:r>
-              <a:rPr lang="en-US" sz="1200" dirty="0" smtClean="0"/>
-              <a:t>Key Mode</a:t>
-            </a:r>
             <a:endParaRPr lang="en-US" sz="1200" dirty="0"/>
           </a:p>
         </p:txBody>
@@ -3361,7 +3352,7 @@
         <p:spPr>
           <a:xfrm>
             <a:off x="5029200" y="609600"/>
-            <a:ext cx="1371600" cy="276999"/>
+            <a:ext cx="1371600" cy="461665"/>
           </a:xfrm>
           <a:prstGeom prst="rect">
             <a:avLst/>
@@ -3384,7 +3375,7 @@
             <a:pPr algn="ctr"/>
             <a:r>
               <a:rPr lang="en-US" sz="1200" dirty="0" smtClean="0"/>
-              <a:t>Fender Mode</a:t>
+              <a:t>Shooter Feed Test</a:t>
             </a:r>
             <a:endParaRPr lang="en-US" sz="1200" dirty="0"/>
           </a:p>
@@ -3596,10 +3587,7 @@
           </a:bodyPr>
           <a:lstStyle/>
           <a:p>
-            <a:r>
-              <a:rPr lang="en-US" sz="1200" dirty="0" smtClean="0"/>
-              <a:t>Stage 2 Up/Down</a:t>
-            </a:r>
+            <a:pPr algn="ctr"/>
             <a:endParaRPr lang="en-US" sz="1200" dirty="0"/>
           </a:p>
         </p:txBody>
@@ -3669,10 +3657,6 @@
           <a:lstStyle/>
           <a:p>
             <a:pPr algn="ctr"/>
-            <a:r>
-              <a:rPr lang="en-US" sz="1200" dirty="0" smtClean="0"/>
-              <a:t>Fin Toggle</a:t>
-            </a:r>
             <a:endParaRPr lang="en-US" sz="1200" dirty="0"/>
           </a:p>
         </p:txBody>
@@ -3720,8 +3704,8 @@
         </p:nvSpPr>
         <p:spPr>
           <a:xfrm>
-            <a:off x="381000" y="3048000"/>
-            <a:ext cx="1981200" cy="276999"/>
+            <a:off x="990600" y="3048000"/>
+            <a:ext cx="1295400" cy="276999"/>
           </a:xfrm>
           <a:prstGeom prst="rect">
             <a:avLst/>
@@ -3744,7 +3728,7 @@
             <a:pPr algn="ctr"/>
             <a:r>
               <a:rPr lang="en-US" sz="1200" dirty="0" smtClean="0"/>
-              <a:t>Stage 1 &amp; Fin Up/Down</a:t>
+              <a:t>Climber Test</a:t>
             </a:r>
             <a:endParaRPr lang="en-US" sz="1200" dirty="0"/>
           </a:p>
@@ -3753,15 +3737,13 @@
       <p:cxnSp>
         <p:nvCxnSpPr>
           <p:cNvPr id="40" name="Straight Arrow Connector 39"/>
-          <p:cNvCxnSpPr>
-            <a:stCxn id="39" idx="0"/>
-          </p:cNvCxnSpPr>
+          <p:cNvCxnSpPr/>
           <p:nvPr/>
         </p:nvCxnSpPr>
         <p:spPr>
-          <a:xfrm flipV="1">
-            <a:off x="1371600" y="2362200"/>
-            <a:ext cx="631183" cy="685800"/>
+          <a:xfrm rot="5400000" flipH="1" flipV="1">
+            <a:off x="1409702" y="2628900"/>
+            <a:ext cx="685799" cy="152401"/>
           </a:xfrm>
           <a:prstGeom prst="straightConnector1">
             <a:avLst/>
@@ -3817,8 +3799,9 @@
             <a:pPr algn="ctr"/>
             <a:r>
               <a:rPr lang="en-US" sz="1200" dirty="0" smtClean="0"/>
-              <a:t>Inclination Up</a:t>
-            </a:r>
+              <a:t>Shooter Up</a:t>
+            </a:r>
+            <a:endParaRPr lang="en-US" sz="1200" dirty="0" smtClean="0"/>
           </a:p>
         </p:txBody>
       </p:sp>
@@ -3831,7 +3814,7 @@
         <p:spPr>
           <a:xfrm>
             <a:off x="228600" y="2286000"/>
-            <a:ext cx="1219199" cy="461665"/>
+            <a:ext cx="1219199" cy="276999"/>
           </a:xfrm>
           <a:prstGeom prst="rect">
             <a:avLst/>
@@ -3853,9 +3836,10 @@
           <a:p>
             <a:pPr algn="ctr"/>
             <a:r>
-              <a:rPr lang="en-US" sz="1200" dirty="0" smtClean="0"/>
-              <a:t>Inclination Down</a:t>
-            </a:r>
+              <a:rPr lang="en-US" sz="1200" smtClean="0"/>
+              <a:t>Shooter Down</a:t>
+            </a:r>
+            <a:endParaRPr lang="en-US" sz="1200" dirty="0" smtClean="0"/>
           </a:p>
         </p:txBody>
       </p:sp>
@@ -3903,9 +3887,9 @@
           <p:nvPr/>
         </p:nvCxnSpPr>
         <p:spPr>
-          <a:xfrm flipV="1">
-            <a:off x="838200" y="1828800"/>
-            <a:ext cx="381000" cy="457200"/>
+          <a:xfrm rot="5400000" flipH="1" flipV="1">
+            <a:off x="800100" y="1866900"/>
+            <a:ext cx="457200" cy="381000"/>
           </a:xfrm>
           <a:prstGeom prst="straightConnector1">
             <a:avLst/>
@@ -3938,7 +3922,7 @@
         <p:spPr>
           <a:xfrm>
             <a:off x="7772400" y="3581400"/>
-            <a:ext cx="762000" cy="276999"/>
+            <a:ext cx="762000" cy="461665"/>
           </a:xfrm>
           <a:prstGeom prst="rect">
             <a:avLst/>
@@ -3961,7 +3945,7 @@
             <a:pPr algn="ctr"/>
             <a:r>
               <a:rPr lang="en-US" sz="1200" dirty="0" smtClean="0"/>
-              <a:t>Pickup</a:t>
+              <a:t>Climber Deploy</a:t>
             </a:r>
             <a:endParaRPr lang="en-US" sz="1200" dirty="0"/>
           </a:p>
@@ -3976,9 +3960,9 @@
           <p:nvPr/>
         </p:nvCxnSpPr>
         <p:spPr>
-          <a:xfrm flipH="1">
-            <a:off x="7543802" y="3858399"/>
-            <a:ext cx="609598" cy="1145737"/>
+          <a:xfrm rot="5400000">
+            <a:off x="7368066" y="4218801"/>
+            <a:ext cx="961071" cy="609598"/>
           </a:xfrm>
           <a:prstGeom prst="straightConnector1">
             <a:avLst/>
@@ -4032,10 +4016,6 @@
           <a:lstStyle/>
           <a:p>
             <a:pPr algn="ctr"/>
-            <a:r>
-              <a:rPr lang="en-US" sz="1200" dirty="0" smtClean="0"/>
-              <a:t>Turret Right</a:t>
-            </a:r>
             <a:endParaRPr lang="en-US" sz="1200" dirty="0"/>
           </a:p>
         </p:txBody>
@@ -4105,10 +4085,6 @@
           <a:lstStyle/>
           <a:p>
             <a:pPr algn="ctr"/>
-            <a:r>
-              <a:rPr lang="en-US" sz="1200" dirty="0" smtClean="0"/>
-              <a:t>Turret Left</a:t>
-            </a:r>
             <a:endParaRPr lang="en-US" sz="1200" dirty="0"/>
           </a:p>
         </p:txBody>
@@ -4176,10 +4152,6 @@
           <a:lstStyle/>
           <a:p>
             <a:pPr algn="ctr"/>
-            <a:r>
-              <a:rPr lang="en-US" sz="1200" dirty="0" smtClean="0"/>
-              <a:t>Toggle Camera</a:t>
-            </a:r>
             <a:endParaRPr lang="en-US" sz="1200" dirty="0"/>
           </a:p>
         </p:txBody>
@@ -4228,7 +4200,7 @@
         <p:spPr>
           <a:xfrm>
             <a:off x="1676400" y="304800"/>
-            <a:ext cx="762000" cy="461665"/>
+            <a:ext cx="762000" cy="276999"/>
           </a:xfrm>
           <a:prstGeom prst="rect">
             <a:avLst/>
@@ -4249,17 +4221,6 @@
           <a:lstStyle/>
           <a:p>
             <a:pPr algn="ctr"/>
-            <a:r>
-              <a:rPr lang="en-US" sz="1200" dirty="0" smtClean="0"/>
-              <a:t>Clearing </a:t>
-            </a:r>
-          </a:p>
-          <a:p>
-            <a:pPr algn="ctr"/>
-            <a:r>
-              <a:rPr lang="en-US" sz="1200" dirty="0" smtClean="0"/>
-              <a:t>Mode</a:t>
-            </a:r>
             <a:endParaRPr lang="en-US" sz="1200" dirty="0"/>
           </a:p>
         </p:txBody>
@@ -4273,9 +4234,9 @@
           <p:nvPr/>
         </p:nvCxnSpPr>
         <p:spPr>
-          <a:xfrm>
-            <a:off x="2057400" y="766465"/>
-            <a:ext cx="76200" cy="376535"/>
+          <a:xfrm rot="16200000" flipH="1">
+            <a:off x="1814900" y="824299"/>
+            <a:ext cx="561201" cy="76200"/>
           </a:xfrm>
           <a:prstGeom prst="straightConnector1">
             <a:avLst/>
@@ -4308,1121 +4269,6 @@
 </file>
 
 <file path=ppt/slides/slide2.xml><?xml version="1.0" encoding="utf-8"?>
-<p:sld xmlns:a="http://schemas.openxmlformats.org/drawingml/2006/main" xmlns:r="http://schemas.openxmlformats.org/officeDocument/2006/relationships" xmlns:p="http://schemas.openxmlformats.org/presentationml/2006/main">
-  <p:cSld>
-    <p:spTree>
-      <p:nvGrpSpPr>
-        <p:cNvPr id="1" name=""/>
-        <p:cNvGrpSpPr/>
-        <p:nvPr/>
-      </p:nvGrpSpPr>
-      <p:grpSpPr>
-        <a:xfrm>
-          <a:off x="0" y="0"/>
-          <a:ext cx="0" cy="0"/>
-          <a:chOff x="0" y="0"/>
-          <a:chExt cx="0" cy="0"/>
-        </a:xfrm>
-      </p:grpSpPr>
-      <p:pic>
-        <p:nvPicPr>
-          <p:cNvPr id="1026" name="Picture 2"/>
-          <p:cNvPicPr>
-            <a:picLocks noChangeAspect="1" noChangeArrowheads="1"/>
-          </p:cNvPicPr>
-          <p:nvPr/>
-        </p:nvPicPr>
-        <p:blipFill>
-          <a:blip r:embed="rId2" cstate="print"/>
-          <a:srcRect/>
-          <a:stretch>
-            <a:fillRect/>
-          </a:stretch>
-        </p:blipFill>
-        <p:spPr bwMode="auto">
-          <a:xfrm>
-            <a:off x="0" y="0"/>
-            <a:ext cx="5305425" cy="3857625"/>
-          </a:xfrm>
-          <a:prstGeom prst="rect">
-            <a:avLst/>
-          </a:prstGeom>
-          <a:noFill/>
-          <a:ln w="9525">
-            <a:noFill/>
-            <a:miter lim="800000"/>
-            <a:headEnd/>
-            <a:tailEnd/>
-          </a:ln>
-          <a:effectLst/>
-        </p:spPr>
-      </p:pic>
-      <p:pic>
-        <p:nvPicPr>
-          <p:cNvPr id="1027" name="Picture 3"/>
-          <p:cNvPicPr>
-            <a:picLocks noChangeAspect="1" noChangeArrowheads="1"/>
-          </p:cNvPicPr>
-          <p:nvPr/>
-        </p:nvPicPr>
-        <p:blipFill>
-          <a:blip r:embed="rId3" cstate="print"/>
-          <a:srcRect/>
-          <a:stretch>
-            <a:fillRect/>
-          </a:stretch>
-        </p:blipFill>
-        <p:spPr bwMode="auto">
-          <a:xfrm>
-            <a:off x="4800600" y="3343275"/>
-            <a:ext cx="4162425" cy="3514725"/>
-          </a:xfrm>
-          <a:prstGeom prst="rect">
-            <a:avLst/>
-          </a:prstGeom>
-          <a:noFill/>
-          <a:ln w="9525">
-            <a:noFill/>
-            <a:miter lim="800000"/>
-            <a:headEnd/>
-            <a:tailEnd/>
-          </a:ln>
-          <a:effectLst/>
-        </p:spPr>
-      </p:pic>
-      <p:sp>
-        <p:nvSpPr>
-          <p:cNvPr id="6" name="TextBox 5"/>
-          <p:cNvSpPr txBox="1"/>
-          <p:nvPr/>
-        </p:nvSpPr>
-        <p:spPr>
-          <a:xfrm>
-            <a:off x="3276600" y="152400"/>
-            <a:ext cx="1524000" cy="307777"/>
-          </a:xfrm>
-          <a:prstGeom prst="rect">
-            <a:avLst/>
-          </a:prstGeom>
-          <a:solidFill>
-            <a:schemeClr val="bg1"/>
-          </a:solidFill>
-          <a:ln>
-            <a:solidFill>
-              <a:schemeClr val="tx1"/>
-            </a:solidFill>
-          </a:ln>
-        </p:spPr>
-        <p:txBody>
-          <a:bodyPr wrap="square" rtlCol="0">
-            <a:spAutoFit/>
-          </a:bodyPr>
-          <a:lstStyle/>
-          <a:p>
-            <a:pPr algn="ctr"/>
-            <a:r>
-              <a:rPr lang="en-US" sz="1200" dirty="0" smtClean="0"/>
-              <a:t>Auto </a:t>
-            </a:r>
-            <a:r>
-              <a:rPr lang="en-US" sz="1400" dirty="0" smtClean="0"/>
-              <a:t>Mode</a:t>
-            </a:r>
-            <a:endParaRPr lang="en-US" sz="1400" dirty="0"/>
-          </a:p>
-        </p:txBody>
-      </p:sp>
-      <p:cxnSp>
-        <p:nvCxnSpPr>
-          <p:cNvPr id="8" name="Straight Arrow Connector 7"/>
-          <p:cNvCxnSpPr>
-            <a:stCxn id="6" idx="2"/>
-          </p:cNvCxnSpPr>
-          <p:nvPr/>
-        </p:nvCxnSpPr>
-        <p:spPr>
-          <a:xfrm flipH="1">
-            <a:off x="3581400" y="460177"/>
-            <a:ext cx="457200" cy="911423"/>
-          </a:xfrm>
-          <a:prstGeom prst="straightConnector1">
-            <a:avLst/>
-          </a:prstGeom>
-          <a:ln>
-            <a:tailEnd type="arrow"/>
-          </a:ln>
-        </p:spPr>
-        <p:style>
-          <a:lnRef idx="1">
-            <a:schemeClr val="accent2"/>
-          </a:lnRef>
-          <a:fillRef idx="0">
-            <a:schemeClr val="accent2"/>
-          </a:fillRef>
-          <a:effectRef idx="0">
-            <a:schemeClr val="accent2"/>
-          </a:effectRef>
-          <a:fontRef idx="minor">
-            <a:schemeClr val="tx1"/>
-          </a:fontRef>
-        </p:style>
-      </p:cxnSp>
-      <p:sp>
-        <p:nvSpPr>
-          <p:cNvPr id="10" name="TextBox 9"/>
-          <p:cNvSpPr txBox="1"/>
-          <p:nvPr/>
-        </p:nvSpPr>
-        <p:spPr>
-          <a:xfrm>
-            <a:off x="3962400" y="2438400"/>
-            <a:ext cx="838200" cy="276999"/>
-          </a:xfrm>
-          <a:prstGeom prst="rect">
-            <a:avLst/>
-          </a:prstGeom>
-          <a:solidFill>
-            <a:schemeClr val="bg1"/>
-          </a:solidFill>
-          <a:ln>
-            <a:solidFill>
-              <a:schemeClr val="tx1"/>
-            </a:solidFill>
-          </a:ln>
-        </p:spPr>
-        <p:txBody>
-          <a:bodyPr wrap="square" rtlCol="0">
-            <a:spAutoFit/>
-          </a:bodyPr>
-          <a:lstStyle/>
-          <a:p>
-            <a:pPr algn="ctr"/>
-            <a:r>
-              <a:rPr lang="en-US" sz="1200" dirty="0" smtClean="0"/>
-              <a:t>Ramp</a:t>
-            </a:r>
-            <a:endParaRPr lang="en-US" sz="1200" dirty="0"/>
-          </a:p>
-        </p:txBody>
-      </p:sp>
-      <p:cxnSp>
-        <p:nvCxnSpPr>
-          <p:cNvPr id="12" name="Straight Arrow Connector 11"/>
-          <p:cNvCxnSpPr/>
-          <p:nvPr/>
-        </p:nvCxnSpPr>
-        <p:spPr>
-          <a:xfrm flipH="1" flipV="1">
-            <a:off x="3962400" y="1828800"/>
-            <a:ext cx="304800" cy="609600"/>
-          </a:xfrm>
-          <a:prstGeom prst="straightConnector1">
-            <a:avLst/>
-          </a:prstGeom>
-          <a:ln>
-            <a:tailEnd type="arrow"/>
-          </a:ln>
-        </p:spPr>
-        <p:style>
-          <a:lnRef idx="1">
-            <a:schemeClr val="accent2"/>
-          </a:lnRef>
-          <a:fillRef idx="0">
-            <a:schemeClr val="accent2"/>
-          </a:fillRef>
-          <a:effectRef idx="0">
-            <a:schemeClr val="accent2"/>
-          </a:effectRef>
-          <a:fontRef idx="minor">
-            <a:schemeClr val="tx1"/>
-          </a:fontRef>
-        </p:style>
-      </p:cxnSp>
-      <p:sp>
-        <p:nvSpPr>
-          <p:cNvPr id="13" name="TextBox 12"/>
-          <p:cNvSpPr txBox="1"/>
-          <p:nvPr/>
-        </p:nvSpPr>
-        <p:spPr>
-          <a:xfrm>
-            <a:off x="5181600" y="1371600"/>
-            <a:ext cx="1066800" cy="276999"/>
-          </a:xfrm>
-          <a:prstGeom prst="rect">
-            <a:avLst/>
-          </a:prstGeom>
-          <a:solidFill>
-            <a:schemeClr val="bg1"/>
-          </a:solidFill>
-          <a:ln>
-            <a:solidFill>
-              <a:schemeClr val="tx1"/>
-            </a:solidFill>
-          </a:ln>
-        </p:spPr>
-        <p:txBody>
-          <a:bodyPr wrap="square" rtlCol="0">
-            <a:spAutoFit/>
-          </a:bodyPr>
-          <a:lstStyle/>
-          <a:p>
-            <a:pPr algn="ctr"/>
-            <a:r>
-              <a:rPr lang="en-US" sz="1200" dirty="0" smtClean="0"/>
-              <a:t>Key Mode</a:t>
-            </a:r>
-            <a:endParaRPr lang="en-US" sz="1200" dirty="0"/>
-          </a:p>
-        </p:txBody>
-      </p:sp>
-      <p:cxnSp>
-        <p:nvCxnSpPr>
-          <p:cNvPr id="15" name="Straight Arrow Connector 14"/>
-          <p:cNvCxnSpPr>
-            <a:stCxn id="13" idx="1"/>
-          </p:cNvCxnSpPr>
-          <p:nvPr/>
-        </p:nvCxnSpPr>
-        <p:spPr>
-          <a:xfrm flipH="1">
-            <a:off x="4419600" y="1510100"/>
-            <a:ext cx="762000" cy="13901"/>
-          </a:xfrm>
-          <a:prstGeom prst="straightConnector1">
-            <a:avLst/>
-          </a:prstGeom>
-          <a:ln>
-            <a:tailEnd type="arrow"/>
-          </a:ln>
-        </p:spPr>
-        <p:style>
-          <a:lnRef idx="1">
-            <a:schemeClr val="accent2"/>
-          </a:lnRef>
-          <a:fillRef idx="0">
-            <a:schemeClr val="accent2"/>
-          </a:fillRef>
-          <a:effectRef idx="0">
-            <a:schemeClr val="accent2"/>
-          </a:effectRef>
-          <a:fontRef idx="minor">
-            <a:schemeClr val="tx1"/>
-          </a:fontRef>
-        </p:style>
-      </p:cxnSp>
-      <p:sp>
-        <p:nvSpPr>
-          <p:cNvPr id="16" name="TextBox 15"/>
-          <p:cNvSpPr txBox="1"/>
-          <p:nvPr/>
-        </p:nvSpPr>
-        <p:spPr>
-          <a:xfrm>
-            <a:off x="5029200" y="609600"/>
-            <a:ext cx="1371600" cy="276999"/>
-          </a:xfrm>
-          <a:prstGeom prst="rect">
-            <a:avLst/>
-          </a:prstGeom>
-          <a:solidFill>
-            <a:schemeClr val="bg1"/>
-          </a:solidFill>
-          <a:ln>
-            <a:solidFill>
-              <a:schemeClr val="tx1"/>
-            </a:solidFill>
-          </a:ln>
-        </p:spPr>
-        <p:txBody>
-          <a:bodyPr wrap="square" rtlCol="0">
-            <a:spAutoFit/>
-          </a:bodyPr>
-          <a:lstStyle/>
-          <a:p>
-            <a:pPr algn="ctr"/>
-            <a:r>
-              <a:rPr lang="en-US" sz="1200" dirty="0" smtClean="0"/>
-              <a:t>Fender Mode</a:t>
-            </a:r>
-            <a:endParaRPr lang="en-US" sz="1200" dirty="0"/>
-          </a:p>
-        </p:txBody>
-      </p:sp>
-      <p:cxnSp>
-        <p:nvCxnSpPr>
-          <p:cNvPr id="18" name="Straight Arrow Connector 17"/>
-          <p:cNvCxnSpPr/>
-          <p:nvPr/>
-        </p:nvCxnSpPr>
-        <p:spPr>
-          <a:xfrm flipH="1">
-            <a:off x="3962400" y="838200"/>
-            <a:ext cx="1143000" cy="286434"/>
-          </a:xfrm>
-          <a:prstGeom prst="straightConnector1">
-            <a:avLst/>
-          </a:prstGeom>
-          <a:ln>
-            <a:tailEnd type="arrow"/>
-          </a:ln>
-        </p:spPr>
-        <p:style>
-          <a:lnRef idx="1">
-            <a:schemeClr val="accent2"/>
-          </a:lnRef>
-          <a:fillRef idx="0">
-            <a:schemeClr val="accent2"/>
-          </a:fillRef>
-          <a:effectRef idx="0">
-            <a:schemeClr val="accent2"/>
-          </a:effectRef>
-          <a:fontRef idx="minor">
-            <a:schemeClr val="tx1"/>
-          </a:fontRef>
-        </p:style>
-      </p:cxnSp>
-      <p:sp>
-        <p:nvSpPr>
-          <p:cNvPr id="20" name="TextBox 19"/>
-          <p:cNvSpPr txBox="1"/>
-          <p:nvPr/>
-        </p:nvSpPr>
-        <p:spPr>
-          <a:xfrm>
-            <a:off x="5181600" y="2971800"/>
-            <a:ext cx="762000" cy="276999"/>
-          </a:xfrm>
-          <a:prstGeom prst="rect">
-            <a:avLst/>
-          </a:prstGeom>
-          <a:solidFill>
-            <a:schemeClr val="bg1"/>
-          </a:solidFill>
-          <a:ln>
-            <a:solidFill>
-              <a:schemeClr val="tx1"/>
-            </a:solidFill>
-          </a:ln>
-        </p:spPr>
-        <p:txBody>
-          <a:bodyPr wrap="square" rtlCol="0">
-            <a:spAutoFit/>
-          </a:bodyPr>
-          <a:lstStyle/>
-          <a:p>
-            <a:pPr algn="ctr"/>
-            <a:r>
-              <a:rPr lang="en-US" sz="1200" dirty="0" smtClean="0"/>
-              <a:t>Shoot</a:t>
-            </a:r>
-            <a:endParaRPr lang="en-US" sz="1200" dirty="0"/>
-          </a:p>
-        </p:txBody>
-      </p:sp>
-      <p:sp>
-        <p:nvSpPr>
-          <p:cNvPr id="21" name="TextBox 20"/>
-          <p:cNvSpPr txBox="1"/>
-          <p:nvPr/>
-        </p:nvSpPr>
-        <p:spPr>
-          <a:xfrm>
-            <a:off x="3352800" y="4495801"/>
-            <a:ext cx="1143000" cy="276999"/>
-          </a:xfrm>
-          <a:prstGeom prst="rect">
-            <a:avLst/>
-          </a:prstGeom>
-          <a:noFill/>
-          <a:ln>
-            <a:solidFill>
-              <a:schemeClr val="tx1"/>
-            </a:solidFill>
-          </a:ln>
-        </p:spPr>
-        <p:txBody>
-          <a:bodyPr wrap="square" rtlCol="0">
-            <a:spAutoFit/>
-          </a:bodyPr>
-          <a:lstStyle/>
-          <a:p>
-            <a:pPr algn="ctr"/>
-            <a:r>
-              <a:rPr lang="en-US" sz="1200" dirty="0" smtClean="0"/>
-              <a:t>Shooter Test</a:t>
-            </a:r>
-            <a:endParaRPr lang="en-US" sz="1200" dirty="0"/>
-          </a:p>
-        </p:txBody>
-      </p:sp>
-      <p:cxnSp>
-        <p:nvCxnSpPr>
-          <p:cNvPr id="23" name="Straight Arrow Connector 22"/>
-          <p:cNvCxnSpPr>
-            <a:stCxn id="20" idx="2"/>
-          </p:cNvCxnSpPr>
-          <p:nvPr/>
-        </p:nvCxnSpPr>
-        <p:spPr>
-          <a:xfrm flipH="1">
-            <a:off x="5334002" y="3248799"/>
-            <a:ext cx="228598" cy="572869"/>
-          </a:xfrm>
-          <a:prstGeom prst="straightConnector1">
-            <a:avLst/>
-          </a:prstGeom>
-          <a:ln>
-            <a:tailEnd type="arrow"/>
-          </a:ln>
-        </p:spPr>
-        <p:style>
-          <a:lnRef idx="1">
-            <a:schemeClr val="accent2"/>
-          </a:lnRef>
-          <a:fillRef idx="0">
-            <a:schemeClr val="accent2"/>
-          </a:fillRef>
-          <a:effectRef idx="0">
-            <a:schemeClr val="accent2"/>
-          </a:effectRef>
-          <a:fontRef idx="minor">
-            <a:schemeClr val="tx1"/>
-          </a:fontRef>
-        </p:style>
-      </p:cxnSp>
-      <p:cxnSp>
-        <p:nvCxnSpPr>
-          <p:cNvPr id="25" name="Straight Arrow Connector 24"/>
-          <p:cNvCxnSpPr>
-            <a:stCxn id="21" idx="3"/>
-          </p:cNvCxnSpPr>
-          <p:nvPr/>
-        </p:nvCxnSpPr>
-        <p:spPr>
-          <a:xfrm flipV="1">
-            <a:off x="4495800" y="4419603"/>
-            <a:ext cx="762000" cy="214698"/>
-          </a:xfrm>
-          <a:prstGeom prst="straightConnector1">
-            <a:avLst/>
-          </a:prstGeom>
-          <a:ln>
-            <a:tailEnd type="arrow"/>
-          </a:ln>
-        </p:spPr>
-        <p:style>
-          <a:lnRef idx="1">
-            <a:schemeClr val="accent2"/>
-          </a:lnRef>
-          <a:fillRef idx="0">
-            <a:schemeClr val="accent2"/>
-          </a:fillRef>
-          <a:effectRef idx="0">
-            <a:schemeClr val="accent2"/>
-          </a:effectRef>
-          <a:fontRef idx="minor">
-            <a:schemeClr val="tx1"/>
-          </a:fontRef>
-        </p:style>
-      </p:cxnSp>
-      <p:sp>
-        <p:nvSpPr>
-          <p:cNvPr id="31" name="TextBox 30"/>
-          <p:cNvSpPr txBox="1"/>
-          <p:nvPr/>
-        </p:nvSpPr>
-        <p:spPr>
-          <a:xfrm>
-            <a:off x="2590800" y="3048001"/>
-            <a:ext cx="1447800" cy="276999"/>
-          </a:xfrm>
-          <a:prstGeom prst="rect">
-            <a:avLst/>
-          </a:prstGeom>
-          <a:solidFill>
-            <a:schemeClr val="bg1"/>
-          </a:solidFill>
-          <a:ln>
-            <a:solidFill>
-              <a:schemeClr val="tx1"/>
-            </a:solidFill>
-          </a:ln>
-        </p:spPr>
-        <p:txBody>
-          <a:bodyPr wrap="square" rtlCol="0">
-            <a:spAutoFit/>
-          </a:bodyPr>
-          <a:lstStyle/>
-          <a:p>
-            <a:r>
-              <a:rPr lang="en-US" sz="1200" dirty="0" smtClean="0"/>
-              <a:t>Stage 2 Up/Down</a:t>
-            </a:r>
-            <a:endParaRPr lang="en-US" sz="1200" dirty="0"/>
-          </a:p>
-        </p:txBody>
-      </p:sp>
-      <p:cxnSp>
-        <p:nvCxnSpPr>
-          <p:cNvPr id="32" name="Straight Arrow Connector 31"/>
-          <p:cNvCxnSpPr>
-            <a:stCxn id="31" idx="0"/>
-          </p:cNvCxnSpPr>
-          <p:nvPr/>
-        </p:nvCxnSpPr>
-        <p:spPr>
-          <a:xfrm flipV="1">
-            <a:off x="3314700" y="2286001"/>
-            <a:ext cx="38100" cy="762000"/>
-          </a:xfrm>
-          <a:prstGeom prst="straightConnector1">
-            <a:avLst/>
-          </a:prstGeom>
-          <a:ln>
-            <a:tailEnd type="arrow"/>
-          </a:ln>
-        </p:spPr>
-        <p:style>
-          <a:lnRef idx="1">
-            <a:schemeClr val="accent2"/>
-          </a:lnRef>
-          <a:fillRef idx="0">
-            <a:schemeClr val="accent2"/>
-          </a:fillRef>
-          <a:effectRef idx="0">
-            <a:schemeClr val="accent2"/>
-          </a:effectRef>
-          <a:fontRef idx="minor">
-            <a:schemeClr val="tx1"/>
-          </a:fontRef>
-        </p:style>
-      </p:cxnSp>
-      <p:sp>
-        <p:nvSpPr>
-          <p:cNvPr id="35" name="TextBox 34"/>
-          <p:cNvSpPr txBox="1"/>
-          <p:nvPr/>
-        </p:nvSpPr>
-        <p:spPr>
-          <a:xfrm>
-            <a:off x="5029200" y="5791201"/>
-            <a:ext cx="990600" cy="276999"/>
-          </a:xfrm>
-          <a:prstGeom prst="rect">
-            <a:avLst/>
-          </a:prstGeom>
-          <a:solidFill>
-            <a:schemeClr val="bg1"/>
-          </a:solidFill>
-          <a:ln>
-            <a:solidFill>
-              <a:schemeClr val="tx1"/>
-            </a:solidFill>
-          </a:ln>
-        </p:spPr>
-        <p:txBody>
-          <a:bodyPr wrap="square" rtlCol="0">
-            <a:spAutoFit/>
-          </a:bodyPr>
-          <a:lstStyle/>
-          <a:p>
-            <a:pPr algn="ctr"/>
-            <a:r>
-              <a:rPr lang="en-US" sz="1200" dirty="0" smtClean="0"/>
-              <a:t>Fin Toggle</a:t>
-            </a:r>
-            <a:endParaRPr lang="en-US" sz="1200" dirty="0"/>
-          </a:p>
-        </p:txBody>
-      </p:sp>
-      <p:cxnSp>
-        <p:nvCxnSpPr>
-          <p:cNvPr id="36" name="Straight Arrow Connector 35"/>
-          <p:cNvCxnSpPr>
-            <a:stCxn id="35" idx="3"/>
-          </p:cNvCxnSpPr>
-          <p:nvPr/>
-        </p:nvCxnSpPr>
-        <p:spPr>
-          <a:xfrm flipV="1">
-            <a:off x="6019800" y="5715003"/>
-            <a:ext cx="1131173" cy="214698"/>
-          </a:xfrm>
-          <a:prstGeom prst="straightConnector1">
-            <a:avLst/>
-          </a:prstGeom>
-          <a:ln>
-            <a:tailEnd type="arrow"/>
-          </a:ln>
-        </p:spPr>
-        <p:style>
-          <a:lnRef idx="1">
-            <a:schemeClr val="accent2"/>
-          </a:lnRef>
-          <a:fillRef idx="0">
-            <a:schemeClr val="accent2"/>
-          </a:fillRef>
-          <a:effectRef idx="0">
-            <a:schemeClr val="accent2"/>
-          </a:effectRef>
-          <a:fontRef idx="minor">
-            <a:schemeClr val="tx1"/>
-          </a:fontRef>
-        </p:style>
-      </p:cxnSp>
-      <p:sp>
-        <p:nvSpPr>
-          <p:cNvPr id="39" name="TextBox 38"/>
-          <p:cNvSpPr txBox="1"/>
-          <p:nvPr/>
-        </p:nvSpPr>
-        <p:spPr>
-          <a:xfrm>
-            <a:off x="381000" y="3048000"/>
-            <a:ext cx="1981200" cy="276999"/>
-          </a:xfrm>
-          <a:prstGeom prst="rect">
-            <a:avLst/>
-          </a:prstGeom>
-          <a:solidFill>
-            <a:schemeClr val="bg1"/>
-          </a:solidFill>
-          <a:ln>
-            <a:solidFill>
-              <a:schemeClr val="tx1"/>
-            </a:solidFill>
-          </a:ln>
-        </p:spPr>
-        <p:txBody>
-          <a:bodyPr wrap="square" rtlCol="0">
-            <a:spAutoFit/>
-          </a:bodyPr>
-          <a:lstStyle/>
-          <a:p>
-            <a:pPr algn="ctr"/>
-            <a:r>
-              <a:rPr lang="en-US" sz="1200" dirty="0" smtClean="0"/>
-              <a:t>Stage 1 &amp; Fin Up/Down</a:t>
-            </a:r>
-            <a:endParaRPr lang="en-US" sz="1200" dirty="0"/>
-          </a:p>
-        </p:txBody>
-      </p:sp>
-      <p:cxnSp>
-        <p:nvCxnSpPr>
-          <p:cNvPr id="40" name="Straight Arrow Connector 39"/>
-          <p:cNvCxnSpPr>
-            <a:stCxn id="39" idx="0"/>
-          </p:cNvCxnSpPr>
-          <p:nvPr/>
-        </p:nvCxnSpPr>
-        <p:spPr>
-          <a:xfrm flipV="1">
-            <a:off x="1371600" y="2362200"/>
-            <a:ext cx="631183" cy="685800"/>
-          </a:xfrm>
-          <a:prstGeom prst="straightConnector1">
-            <a:avLst/>
-          </a:prstGeom>
-          <a:ln>
-            <a:tailEnd type="arrow"/>
-          </a:ln>
-        </p:spPr>
-        <p:style>
-          <a:lnRef idx="1">
-            <a:schemeClr val="accent2"/>
-          </a:lnRef>
-          <a:fillRef idx="0">
-            <a:schemeClr val="accent2"/>
-          </a:fillRef>
-          <a:effectRef idx="0">
-            <a:schemeClr val="accent2"/>
-          </a:effectRef>
-          <a:fontRef idx="minor">
-            <a:schemeClr val="tx1"/>
-          </a:fontRef>
-        </p:style>
-      </p:cxnSp>
-      <p:sp>
-        <p:nvSpPr>
-          <p:cNvPr id="38" name="TextBox 37"/>
-          <p:cNvSpPr txBox="1"/>
-          <p:nvPr/>
-        </p:nvSpPr>
-        <p:spPr>
-          <a:xfrm>
-            <a:off x="7772400" y="3581400"/>
-            <a:ext cx="762000" cy="276999"/>
-          </a:xfrm>
-          <a:prstGeom prst="rect">
-            <a:avLst/>
-          </a:prstGeom>
-          <a:solidFill>
-            <a:schemeClr val="bg1"/>
-          </a:solidFill>
-          <a:ln>
-            <a:solidFill>
-              <a:schemeClr val="tx1"/>
-            </a:solidFill>
-          </a:ln>
-        </p:spPr>
-        <p:txBody>
-          <a:bodyPr wrap="square" rtlCol="0">
-            <a:spAutoFit/>
-          </a:bodyPr>
-          <a:lstStyle/>
-          <a:p>
-            <a:pPr algn="ctr"/>
-            <a:r>
-              <a:rPr lang="en-US" sz="1200" dirty="0" smtClean="0"/>
-              <a:t>Pickup</a:t>
-            </a:r>
-            <a:endParaRPr lang="en-US" sz="1200" dirty="0"/>
-          </a:p>
-        </p:txBody>
-      </p:sp>
-      <p:cxnSp>
-        <p:nvCxnSpPr>
-          <p:cNvPr id="41" name="Straight Arrow Connector 40"/>
-          <p:cNvCxnSpPr>
-            <a:stCxn id="38" idx="2"/>
-          </p:cNvCxnSpPr>
-          <p:nvPr/>
-        </p:nvCxnSpPr>
-        <p:spPr>
-          <a:xfrm flipH="1">
-            <a:off x="7543802" y="3858399"/>
-            <a:ext cx="609598" cy="1145737"/>
-          </a:xfrm>
-          <a:prstGeom prst="straightConnector1">
-            <a:avLst/>
-          </a:prstGeom>
-          <a:ln>
-            <a:tailEnd type="arrow"/>
-          </a:ln>
-        </p:spPr>
-        <p:style>
-          <a:lnRef idx="1">
-            <a:schemeClr val="accent2"/>
-          </a:lnRef>
-          <a:fillRef idx="0">
-            <a:schemeClr val="accent2"/>
-          </a:fillRef>
-          <a:effectRef idx="0">
-            <a:schemeClr val="accent2"/>
-          </a:effectRef>
-          <a:fontRef idx="minor">
-            <a:schemeClr val="tx1"/>
-          </a:fontRef>
-        </p:style>
-      </p:cxnSp>
-      <p:sp>
-        <p:nvSpPr>
-          <p:cNvPr id="52" name="TextBox 51"/>
-          <p:cNvSpPr txBox="1"/>
-          <p:nvPr/>
-        </p:nvSpPr>
-        <p:spPr>
-          <a:xfrm>
-            <a:off x="1752600" y="1475601"/>
-            <a:ext cx="990600" cy="276999"/>
-          </a:xfrm>
-          <a:prstGeom prst="rect">
-            <a:avLst/>
-          </a:prstGeom>
-          <a:solidFill>
-            <a:schemeClr val="bg1"/>
-          </a:solidFill>
-          <a:ln>
-            <a:solidFill>
-              <a:schemeClr val="tx1"/>
-            </a:solidFill>
-          </a:ln>
-        </p:spPr>
-        <p:txBody>
-          <a:bodyPr wrap="square" rtlCol="0">
-            <a:spAutoFit/>
-          </a:bodyPr>
-          <a:lstStyle/>
-          <a:p>
-            <a:pPr algn="ctr"/>
-            <a:r>
-              <a:rPr lang="en-US" sz="1200" dirty="0" smtClean="0"/>
-              <a:t>Turret Right</a:t>
-            </a:r>
-            <a:endParaRPr lang="en-US" sz="1200" dirty="0"/>
-          </a:p>
-        </p:txBody>
-      </p:sp>
-      <p:cxnSp>
-        <p:nvCxnSpPr>
-          <p:cNvPr id="53" name="Straight Arrow Connector 52"/>
-          <p:cNvCxnSpPr>
-            <a:stCxn id="52" idx="1"/>
-          </p:cNvCxnSpPr>
-          <p:nvPr/>
-        </p:nvCxnSpPr>
-        <p:spPr>
-          <a:xfrm flipH="1" flipV="1">
-            <a:off x="1524000" y="1461700"/>
-            <a:ext cx="228600" cy="152401"/>
-          </a:xfrm>
-          <a:prstGeom prst="straightConnector1">
-            <a:avLst/>
-          </a:prstGeom>
-          <a:ln>
-            <a:tailEnd type="arrow"/>
-          </a:ln>
-        </p:spPr>
-        <p:style>
-          <a:lnRef idx="1">
-            <a:schemeClr val="accent2"/>
-          </a:lnRef>
-          <a:fillRef idx="0">
-            <a:schemeClr val="accent2"/>
-          </a:fillRef>
-          <a:effectRef idx="0">
-            <a:schemeClr val="accent2"/>
-          </a:effectRef>
-          <a:fontRef idx="minor">
-            <a:schemeClr val="tx1"/>
-          </a:fontRef>
-        </p:style>
-      </p:cxnSp>
-      <p:sp>
-        <p:nvSpPr>
-          <p:cNvPr id="57" name="TextBox 56"/>
-          <p:cNvSpPr txBox="1"/>
-          <p:nvPr/>
-        </p:nvSpPr>
-        <p:spPr>
-          <a:xfrm>
-            <a:off x="0" y="838200"/>
-            <a:ext cx="914400" cy="276999"/>
-          </a:xfrm>
-          <a:prstGeom prst="rect">
-            <a:avLst/>
-          </a:prstGeom>
-          <a:solidFill>
-            <a:schemeClr val="bg1"/>
-          </a:solidFill>
-          <a:ln>
-            <a:solidFill>
-              <a:schemeClr val="tx1"/>
-            </a:solidFill>
-          </a:ln>
-        </p:spPr>
-        <p:txBody>
-          <a:bodyPr wrap="square" rtlCol="0">
-            <a:spAutoFit/>
-          </a:bodyPr>
-          <a:lstStyle/>
-          <a:p>
-            <a:pPr algn="ctr"/>
-            <a:r>
-              <a:rPr lang="en-US" sz="1200" dirty="0" smtClean="0"/>
-              <a:t>Turret Left</a:t>
-            </a:r>
-            <a:endParaRPr lang="en-US" sz="1200" dirty="0"/>
-          </a:p>
-        </p:txBody>
-      </p:sp>
-      <p:cxnSp>
-        <p:nvCxnSpPr>
-          <p:cNvPr id="61" name="Straight Arrow Connector 60"/>
-          <p:cNvCxnSpPr/>
-          <p:nvPr/>
-        </p:nvCxnSpPr>
-        <p:spPr>
-          <a:xfrm>
-            <a:off x="495300" y="1143000"/>
-            <a:ext cx="266700" cy="381000"/>
-          </a:xfrm>
-          <a:prstGeom prst="straightConnector1">
-            <a:avLst/>
-          </a:prstGeom>
-          <a:ln>
-            <a:tailEnd type="arrow"/>
-          </a:ln>
-        </p:spPr>
-        <p:style>
-          <a:lnRef idx="1">
-            <a:schemeClr val="accent2"/>
-          </a:lnRef>
-          <a:fillRef idx="0">
-            <a:schemeClr val="accent2"/>
-          </a:fillRef>
-          <a:effectRef idx="0">
-            <a:schemeClr val="accent2"/>
-          </a:effectRef>
-          <a:fontRef idx="minor">
-            <a:schemeClr val="tx1"/>
-          </a:fontRef>
-        </p:style>
-      </p:cxnSp>
-      <p:sp>
-        <p:nvSpPr>
-          <p:cNvPr id="33" name="TextBox 32"/>
-          <p:cNvSpPr txBox="1"/>
-          <p:nvPr/>
-        </p:nvSpPr>
-        <p:spPr>
-          <a:xfrm>
-            <a:off x="2514600" y="609600"/>
-            <a:ext cx="1295400" cy="276999"/>
-          </a:xfrm>
-          <a:prstGeom prst="rect">
-            <a:avLst/>
-          </a:prstGeom>
-          <a:solidFill>
-            <a:schemeClr val="bg1"/>
-          </a:solidFill>
-          <a:ln>
-            <a:solidFill>
-              <a:schemeClr val="tx1"/>
-            </a:solidFill>
-          </a:ln>
-        </p:spPr>
-        <p:txBody>
-          <a:bodyPr wrap="square" rtlCol="0">
-            <a:spAutoFit/>
-          </a:bodyPr>
-          <a:lstStyle/>
-          <a:p>
-            <a:pPr algn="ctr"/>
-            <a:r>
-              <a:rPr lang="en-US" sz="1200" dirty="0" smtClean="0"/>
-              <a:t>Toggle Camera</a:t>
-            </a:r>
-            <a:endParaRPr lang="en-US" sz="1200" dirty="0"/>
-          </a:p>
-        </p:txBody>
-      </p:sp>
-      <p:cxnSp>
-        <p:nvCxnSpPr>
-          <p:cNvPr id="37" name="Straight Arrow Connector 36"/>
-          <p:cNvCxnSpPr>
-            <a:stCxn id="33" idx="2"/>
-          </p:cNvCxnSpPr>
-          <p:nvPr/>
-        </p:nvCxnSpPr>
-        <p:spPr>
-          <a:xfrm flipH="1">
-            <a:off x="3048000" y="886599"/>
-            <a:ext cx="114300" cy="180201"/>
-          </a:xfrm>
-          <a:prstGeom prst="straightConnector1">
-            <a:avLst/>
-          </a:prstGeom>
-          <a:ln>
-            <a:tailEnd type="arrow"/>
-          </a:ln>
-        </p:spPr>
-        <p:style>
-          <a:lnRef idx="1">
-            <a:schemeClr val="accent2"/>
-          </a:lnRef>
-          <a:fillRef idx="0">
-            <a:schemeClr val="accent2"/>
-          </a:fillRef>
-          <a:effectRef idx="0">
-            <a:schemeClr val="accent2"/>
-          </a:effectRef>
-          <a:fontRef idx="minor">
-            <a:schemeClr val="tx1"/>
-          </a:fontRef>
-        </p:style>
-      </p:cxnSp>
-      <p:sp>
-        <p:nvSpPr>
-          <p:cNvPr id="63" name="TextBox 62"/>
-          <p:cNvSpPr txBox="1"/>
-          <p:nvPr/>
-        </p:nvSpPr>
-        <p:spPr>
-          <a:xfrm>
-            <a:off x="1676400" y="304800"/>
-            <a:ext cx="762000" cy="461665"/>
-          </a:xfrm>
-          <a:prstGeom prst="rect">
-            <a:avLst/>
-          </a:prstGeom>
-          <a:solidFill>
-            <a:schemeClr val="bg1"/>
-          </a:solidFill>
-          <a:ln>
-            <a:solidFill>
-              <a:schemeClr val="tx1"/>
-            </a:solidFill>
-          </a:ln>
-        </p:spPr>
-        <p:txBody>
-          <a:bodyPr wrap="square" rtlCol="0">
-            <a:spAutoFit/>
-          </a:bodyPr>
-          <a:lstStyle/>
-          <a:p>
-            <a:pPr algn="ctr"/>
-            <a:r>
-              <a:rPr lang="en-US" sz="1200" dirty="0" smtClean="0"/>
-              <a:t>Clearing </a:t>
-            </a:r>
-          </a:p>
-          <a:p>
-            <a:pPr algn="ctr"/>
-            <a:r>
-              <a:rPr lang="en-US" sz="1200" dirty="0" smtClean="0"/>
-              <a:t>Mode</a:t>
-            </a:r>
-            <a:endParaRPr lang="en-US" sz="1200" dirty="0"/>
-          </a:p>
-        </p:txBody>
-      </p:sp>
-      <p:cxnSp>
-        <p:nvCxnSpPr>
-          <p:cNvPr id="65" name="Straight Arrow Connector 64"/>
-          <p:cNvCxnSpPr>
-            <a:stCxn id="63" idx="2"/>
-          </p:cNvCxnSpPr>
-          <p:nvPr/>
-        </p:nvCxnSpPr>
-        <p:spPr>
-          <a:xfrm>
-            <a:off x="2057400" y="766465"/>
-            <a:ext cx="76200" cy="376535"/>
-          </a:xfrm>
-          <a:prstGeom prst="straightConnector1">
-            <a:avLst/>
-          </a:prstGeom>
-          <a:ln>
-            <a:tailEnd type="arrow"/>
-          </a:ln>
-        </p:spPr>
-        <p:style>
-          <a:lnRef idx="1">
-            <a:schemeClr val="accent2"/>
-          </a:lnRef>
-          <a:fillRef idx="0">
-            <a:schemeClr val="accent2"/>
-          </a:fillRef>
-          <a:effectRef idx="0">
-            <a:schemeClr val="accent2"/>
-          </a:effectRef>
-          <a:fontRef idx="minor">
-            <a:schemeClr val="tx1"/>
-          </a:fontRef>
-        </p:style>
-      </p:cxnSp>
-    </p:spTree>
-  </p:cSld>
-  <p:clrMapOvr>
-    <a:masterClrMapping/>
-  </p:clrMapOvr>
-</p:sld>
-</file>
-
-<file path=ppt/slides/slide3.xml><?xml version="1.0" encoding="utf-8"?>
 <p:sld xmlns:a="http://schemas.openxmlformats.org/drawingml/2006/main" xmlns:r="http://schemas.openxmlformats.org/officeDocument/2006/relationships" xmlns:p="http://schemas.openxmlformats.org/presentationml/2006/main">
   <p:cSld>
     <p:spTree>

--- a/ControllerLayout.pptx
+++ b/ControllerLayout.pptx
@@ -290,7 +290,7 @@
             <a:fld id="{D959F413-3B1F-4EDA-9678-B877E1C4A860}" type="datetimeFigureOut">
               <a:rPr lang="en-US" smtClean="0"/>
               <a:pPr/>
-              <a:t>2/4/2013</a:t>
+              <a:t>3/2/2013</a:t>
             </a:fld>
             <a:endParaRPr lang="en-US"/>
           </a:p>
@@ -457,7 +457,7 @@
             <a:fld id="{D959F413-3B1F-4EDA-9678-B877E1C4A860}" type="datetimeFigureOut">
               <a:rPr lang="en-US" smtClean="0"/>
               <a:pPr/>
-              <a:t>2/4/2013</a:t>
+              <a:t>3/2/2013</a:t>
             </a:fld>
             <a:endParaRPr lang="en-US"/>
           </a:p>
@@ -634,7 +634,7 @@
             <a:fld id="{D959F413-3B1F-4EDA-9678-B877E1C4A860}" type="datetimeFigureOut">
               <a:rPr lang="en-US" smtClean="0"/>
               <a:pPr/>
-              <a:t>2/4/2013</a:t>
+              <a:t>3/2/2013</a:t>
             </a:fld>
             <a:endParaRPr lang="en-US"/>
           </a:p>
@@ -801,7 +801,7 @@
             <a:fld id="{D959F413-3B1F-4EDA-9678-B877E1C4A860}" type="datetimeFigureOut">
               <a:rPr lang="en-US" smtClean="0"/>
               <a:pPr/>
-              <a:t>2/4/2013</a:t>
+              <a:t>3/2/2013</a:t>
             </a:fld>
             <a:endParaRPr lang="en-US"/>
           </a:p>
@@ -1044,7 +1044,7 @@
             <a:fld id="{D959F413-3B1F-4EDA-9678-B877E1C4A860}" type="datetimeFigureOut">
               <a:rPr lang="en-US" smtClean="0"/>
               <a:pPr/>
-              <a:t>2/4/2013</a:t>
+              <a:t>3/2/2013</a:t>
             </a:fld>
             <a:endParaRPr lang="en-US"/>
           </a:p>
@@ -1329,7 +1329,7 @@
             <a:fld id="{D959F413-3B1F-4EDA-9678-B877E1C4A860}" type="datetimeFigureOut">
               <a:rPr lang="en-US" smtClean="0"/>
               <a:pPr/>
-              <a:t>2/4/2013</a:t>
+              <a:t>3/2/2013</a:t>
             </a:fld>
             <a:endParaRPr lang="en-US"/>
           </a:p>
@@ -1748,7 +1748,7 @@
             <a:fld id="{D959F413-3B1F-4EDA-9678-B877E1C4A860}" type="datetimeFigureOut">
               <a:rPr lang="en-US" smtClean="0"/>
               <a:pPr/>
-              <a:t>2/4/2013</a:t>
+              <a:t>3/2/2013</a:t>
             </a:fld>
             <a:endParaRPr lang="en-US"/>
           </a:p>
@@ -1863,7 +1863,7 @@
             <a:fld id="{D959F413-3B1F-4EDA-9678-B877E1C4A860}" type="datetimeFigureOut">
               <a:rPr lang="en-US" smtClean="0"/>
               <a:pPr/>
-              <a:t>2/4/2013</a:t>
+              <a:t>3/2/2013</a:t>
             </a:fld>
             <a:endParaRPr lang="en-US"/>
           </a:p>
@@ -1955,7 +1955,7 @@
             <a:fld id="{D959F413-3B1F-4EDA-9678-B877E1C4A860}" type="datetimeFigureOut">
               <a:rPr lang="en-US" smtClean="0"/>
               <a:pPr/>
-              <a:t>2/4/2013</a:t>
+              <a:t>3/2/2013</a:t>
             </a:fld>
             <a:endParaRPr lang="en-US"/>
           </a:p>
@@ -2229,7 +2229,7 @@
             <a:fld id="{D959F413-3B1F-4EDA-9678-B877E1C4A860}" type="datetimeFigureOut">
               <a:rPr lang="en-US" smtClean="0"/>
               <a:pPr/>
-              <a:t>2/4/2013</a:t>
+              <a:t>3/2/2013</a:t>
             </a:fld>
             <a:endParaRPr lang="en-US"/>
           </a:p>
@@ -2483,7 +2483,7 @@
             <a:fld id="{D959F413-3B1F-4EDA-9678-B877E1C4A860}" type="datetimeFigureOut">
               <a:rPr lang="en-US" smtClean="0"/>
               <a:pPr/>
-              <a:t>2/4/2013</a:t>
+              <a:t>3/2/2013</a:t>
             </a:fld>
             <a:endParaRPr lang="en-US"/>
           </a:p>
@@ -2693,7 +2693,7 @@
             <a:fld id="{D959F413-3B1F-4EDA-9678-B877E1C4A860}" type="datetimeFigureOut">
               <a:rPr lang="en-US" smtClean="0"/>
               <a:pPr/>
-              <a:t>2/4/2013</a:t>
+              <a:t>3/2/2013</a:t>
             </a:fld>
             <a:endParaRPr lang="en-US"/>
           </a:p>
@@ -3283,7 +3283,7 @@
         <p:spPr>
           <a:xfrm>
             <a:off x="5181600" y="1371600"/>
-            <a:ext cx="1066800" cy="276999"/>
+            <a:ext cx="1066800" cy="461665"/>
           </a:xfrm>
           <a:prstGeom prst="rect">
             <a:avLst/>
@@ -3304,6 +3304,10 @@
           <a:lstStyle/>
           <a:p>
             <a:pPr algn="ctr"/>
+            <a:r>
+              <a:rPr lang="en-US" sz="1200" dirty="0" smtClean="0"/>
+              <a:t>Shooter Low Speed</a:t>
+            </a:r>
             <a:endParaRPr lang="en-US" sz="1200" dirty="0"/>
           </a:p>
         </p:txBody>
@@ -3317,9 +3321,9 @@
           <p:nvPr/>
         </p:nvCxnSpPr>
         <p:spPr>
-          <a:xfrm flipH="1">
-            <a:off x="4419600" y="1510100"/>
-            <a:ext cx="762000" cy="13901"/>
+          <a:xfrm rot="10800000">
+            <a:off x="4419600" y="1524001"/>
+            <a:ext cx="762000" cy="78432"/>
           </a:xfrm>
           <a:prstGeom prst="straightConnector1">
             <a:avLst/>
@@ -3375,7 +3379,7 @@
             <a:pPr algn="ctr"/>
             <a:r>
               <a:rPr lang="en-US" sz="1200" dirty="0" smtClean="0"/>
-              <a:t>Shooter Feed Test</a:t>
+              <a:t>Shooter High Speed</a:t>
             </a:r>
             <a:endParaRPr lang="en-US" sz="1200" dirty="0"/>
           </a:p>
@@ -3801,7 +3805,6 @@
               <a:rPr lang="en-US" sz="1200" dirty="0" smtClean="0"/>
               <a:t>Shooter Up</a:t>
             </a:r>
-            <a:endParaRPr lang="en-US" sz="1200" dirty="0" smtClean="0"/>
           </a:p>
         </p:txBody>
       </p:sp>
@@ -4130,8 +4133,8 @@
         </p:nvSpPr>
         <p:spPr>
           <a:xfrm>
-            <a:off x="2514600" y="609600"/>
-            <a:ext cx="1295400" cy="276999"/>
+            <a:off x="2667000" y="228600"/>
+            <a:ext cx="990600" cy="461665"/>
           </a:xfrm>
           <a:prstGeom prst="rect">
             <a:avLst/>
@@ -4152,6 +4155,10 @@
           <a:lstStyle/>
           <a:p>
             <a:pPr algn="ctr"/>
+            <a:r>
+              <a:rPr lang="en-US" sz="1200" dirty="0" smtClean="0"/>
+              <a:t>Shooter Feed Test</a:t>
+            </a:r>
             <a:endParaRPr lang="en-US" sz="1200" dirty="0"/>
           </a:p>
         </p:txBody>
@@ -4165,9 +4172,9 @@
           <p:nvPr/>
         </p:nvCxnSpPr>
         <p:spPr>
-          <a:xfrm flipH="1">
-            <a:off x="3048000" y="886599"/>
-            <a:ext cx="114300" cy="180201"/>
+          <a:xfrm rot="5400000">
+            <a:off x="2878783" y="859482"/>
+            <a:ext cx="452735" cy="114300"/>
           </a:xfrm>
           <a:prstGeom prst="straightConnector1">
             <a:avLst/>
@@ -4200,7 +4207,7 @@
         <p:spPr>
           <a:xfrm>
             <a:off x="1676400" y="304800"/>
-            <a:ext cx="762000" cy="276999"/>
+            <a:ext cx="762000" cy="461665"/>
           </a:xfrm>
           <a:prstGeom prst="rect">
             <a:avLst/>
@@ -4221,6 +4228,10 @@
           <a:lstStyle/>
           <a:p>
             <a:pPr algn="ctr"/>
+            <a:r>
+              <a:rPr lang="en-US" sz="1200" dirty="0" smtClean="0"/>
+              <a:t>Shooter Off</a:t>
+            </a:r>
             <a:endParaRPr lang="en-US" sz="1200" dirty="0"/>
           </a:p>
         </p:txBody>
@@ -4235,8 +4246,8 @@
         </p:nvCxnSpPr>
         <p:spPr>
           <a:xfrm rot="16200000" flipH="1">
-            <a:off x="1814900" y="824299"/>
-            <a:ext cx="561201" cy="76200"/>
+            <a:off x="1907233" y="916631"/>
+            <a:ext cx="376534" cy="76201"/>
           </a:xfrm>
           <a:prstGeom prst="straightConnector1">
             <a:avLst/>

--- a/ControllerLayout.pptx
+++ b/ControllerLayout.pptx
@@ -290,7 +290,7 @@
             <a:fld id="{D959F413-3B1F-4EDA-9678-B877E1C4A860}" type="datetimeFigureOut">
               <a:rPr lang="en-US" smtClean="0"/>
               <a:pPr/>
-              <a:t>3/2/2013</a:t>
+              <a:t>3/5/2013</a:t>
             </a:fld>
             <a:endParaRPr lang="en-US"/>
           </a:p>
@@ -457,7 +457,7 @@
             <a:fld id="{D959F413-3B1F-4EDA-9678-B877E1C4A860}" type="datetimeFigureOut">
               <a:rPr lang="en-US" smtClean="0"/>
               <a:pPr/>
-              <a:t>3/2/2013</a:t>
+              <a:t>3/5/2013</a:t>
             </a:fld>
             <a:endParaRPr lang="en-US"/>
           </a:p>
@@ -634,7 +634,7 @@
             <a:fld id="{D959F413-3B1F-4EDA-9678-B877E1C4A860}" type="datetimeFigureOut">
               <a:rPr lang="en-US" smtClean="0"/>
               <a:pPr/>
-              <a:t>3/2/2013</a:t>
+              <a:t>3/5/2013</a:t>
             </a:fld>
             <a:endParaRPr lang="en-US"/>
           </a:p>
@@ -801,7 +801,7 @@
             <a:fld id="{D959F413-3B1F-4EDA-9678-B877E1C4A860}" type="datetimeFigureOut">
               <a:rPr lang="en-US" smtClean="0"/>
               <a:pPr/>
-              <a:t>3/2/2013</a:t>
+              <a:t>3/5/2013</a:t>
             </a:fld>
             <a:endParaRPr lang="en-US"/>
           </a:p>
@@ -1044,7 +1044,7 @@
             <a:fld id="{D959F413-3B1F-4EDA-9678-B877E1C4A860}" type="datetimeFigureOut">
               <a:rPr lang="en-US" smtClean="0"/>
               <a:pPr/>
-              <a:t>3/2/2013</a:t>
+              <a:t>3/5/2013</a:t>
             </a:fld>
             <a:endParaRPr lang="en-US"/>
           </a:p>
@@ -1329,7 +1329,7 @@
             <a:fld id="{D959F413-3B1F-4EDA-9678-B877E1C4A860}" type="datetimeFigureOut">
               <a:rPr lang="en-US" smtClean="0"/>
               <a:pPr/>
-              <a:t>3/2/2013</a:t>
+              <a:t>3/5/2013</a:t>
             </a:fld>
             <a:endParaRPr lang="en-US"/>
           </a:p>
@@ -1748,7 +1748,7 @@
             <a:fld id="{D959F413-3B1F-4EDA-9678-B877E1C4A860}" type="datetimeFigureOut">
               <a:rPr lang="en-US" smtClean="0"/>
               <a:pPr/>
-              <a:t>3/2/2013</a:t>
+              <a:t>3/5/2013</a:t>
             </a:fld>
             <a:endParaRPr lang="en-US"/>
           </a:p>
@@ -1863,7 +1863,7 @@
             <a:fld id="{D959F413-3B1F-4EDA-9678-B877E1C4A860}" type="datetimeFigureOut">
               <a:rPr lang="en-US" smtClean="0"/>
               <a:pPr/>
-              <a:t>3/2/2013</a:t>
+              <a:t>3/5/2013</a:t>
             </a:fld>
             <a:endParaRPr lang="en-US"/>
           </a:p>
@@ -1955,7 +1955,7 @@
             <a:fld id="{D959F413-3B1F-4EDA-9678-B877E1C4A860}" type="datetimeFigureOut">
               <a:rPr lang="en-US" smtClean="0"/>
               <a:pPr/>
-              <a:t>3/2/2013</a:t>
+              <a:t>3/5/2013</a:t>
             </a:fld>
             <a:endParaRPr lang="en-US"/>
           </a:p>
@@ -2229,7 +2229,7 @@
             <a:fld id="{D959F413-3B1F-4EDA-9678-B877E1C4A860}" type="datetimeFigureOut">
               <a:rPr lang="en-US" smtClean="0"/>
               <a:pPr/>
-              <a:t>3/2/2013</a:t>
+              <a:t>3/5/2013</a:t>
             </a:fld>
             <a:endParaRPr lang="en-US"/>
           </a:p>
@@ -2483,7 +2483,7 @@
             <a:fld id="{D959F413-3B1F-4EDA-9678-B877E1C4A860}" type="datetimeFigureOut">
               <a:rPr lang="en-US" smtClean="0"/>
               <a:pPr/>
-              <a:t>3/2/2013</a:t>
+              <a:t>3/5/2013</a:t>
             </a:fld>
             <a:endParaRPr lang="en-US"/>
           </a:p>
@@ -2693,7 +2693,7 @@
             <a:fld id="{D959F413-3B1F-4EDA-9678-B877E1C4A860}" type="datetimeFigureOut">
               <a:rPr lang="en-US" smtClean="0"/>
               <a:pPr/>
-              <a:t>3/2/2013</a:t>
+              <a:t>3/5/2013</a:t>
             </a:fld>
             <a:endParaRPr lang="en-US"/>
           </a:p>
@@ -3283,7 +3283,7 @@
         <p:spPr>
           <a:xfrm>
             <a:off x="5181600" y="1371600"/>
-            <a:ext cx="1066800" cy="461665"/>
+            <a:ext cx="1600200" cy="461665"/>
           </a:xfrm>
           <a:prstGeom prst="rect">
             <a:avLst/>
@@ -3306,7 +3306,11 @@
             <a:pPr algn="ctr"/>
             <a:r>
               <a:rPr lang="en-US" sz="1200" dirty="0" smtClean="0"/>
-              <a:t>Shooter Low Speed</a:t>
+              <a:t>Shooter Low </a:t>
+            </a:r>
+            <a:r>
+              <a:rPr lang="en-US" sz="1200" dirty="0" smtClean="0"/>
+              <a:t>Speed (Pyramid Shot)</a:t>
             </a:r>
             <a:endParaRPr lang="en-US" sz="1200" dirty="0"/>
           </a:p>
@@ -3322,8 +3326,8 @@
         </p:nvCxnSpPr>
         <p:spPr>
           <a:xfrm rot="10800000">
-            <a:off x="4419600" y="1524001"/>
-            <a:ext cx="762000" cy="78432"/>
+            <a:off x="4419600" y="1524013"/>
+            <a:ext cx="762000" cy="78420"/>
           </a:xfrm>
           <a:prstGeom prst="straightConnector1">
             <a:avLst/>
@@ -3356,7 +3360,7 @@
         <p:spPr>
           <a:xfrm>
             <a:off x="5029200" y="609600"/>
-            <a:ext cx="1371600" cy="461665"/>
+            <a:ext cx="1524000" cy="461665"/>
           </a:xfrm>
           <a:prstGeom prst="rect">
             <a:avLst/>
@@ -3379,7 +3383,11 @@
             <a:pPr algn="ctr"/>
             <a:r>
               <a:rPr lang="en-US" sz="1200" dirty="0" smtClean="0"/>
-              <a:t>Shooter High Speed</a:t>
+              <a:t>Shooter High </a:t>
+            </a:r>
+            <a:r>
+              <a:rPr lang="en-US" sz="1200" dirty="0" smtClean="0"/>
+              <a:t>Speed (Long Shot)</a:t>
             </a:r>
             <a:endParaRPr lang="en-US" sz="1200" dirty="0"/>
           </a:p>
@@ -3839,10 +3847,9 @@
           <a:p>
             <a:pPr algn="ctr"/>
             <a:r>
-              <a:rPr lang="en-US" sz="1200" smtClean="0"/>
+              <a:rPr lang="en-US" sz="1200" dirty="0" smtClean="0"/>
               <a:t>Shooter Down</a:t>
             </a:r>
-            <a:endParaRPr lang="en-US" sz="1200" dirty="0" smtClean="0"/>
           </a:p>
         </p:txBody>
       </p:sp>

--- a/ControllerLayout.pptx
+++ b/ControllerLayout.pptx
@@ -14,94 +14,124 @@
     <a:defPPr>
       <a:defRPr lang="en-US"/>
     </a:defPPr>
-    <a:lvl1pPr marL="0" algn="l" defTabSz="914400" rtl="0" eaLnBrk="1" latinLnBrk="0" hangingPunct="1">
-      <a:defRPr sz="1800" kern="1200">
+    <a:lvl1pPr algn="l" rtl="0" fontAlgn="base">
+      <a:spcBef>
+        <a:spcPct val="0"/>
+      </a:spcBef>
+      <a:spcAft>
+        <a:spcPct val="0"/>
+      </a:spcAft>
+      <a:defRPr kern="1200">
         <a:solidFill>
           <a:schemeClr val="tx1"/>
         </a:solidFill>
-        <a:latin typeface="+mn-lt"/>
+        <a:latin typeface="Arial" charset="0"/>
         <a:ea typeface="+mn-ea"/>
-        <a:cs typeface="+mn-cs"/>
+        <a:cs typeface="Arial" charset="0"/>
       </a:defRPr>
     </a:lvl1pPr>
-    <a:lvl2pPr marL="457200" algn="l" defTabSz="914400" rtl="0" eaLnBrk="1" latinLnBrk="0" hangingPunct="1">
-      <a:defRPr sz="1800" kern="1200">
+    <a:lvl2pPr marL="457200" algn="l" rtl="0" fontAlgn="base">
+      <a:spcBef>
+        <a:spcPct val="0"/>
+      </a:spcBef>
+      <a:spcAft>
+        <a:spcPct val="0"/>
+      </a:spcAft>
+      <a:defRPr kern="1200">
         <a:solidFill>
           <a:schemeClr val="tx1"/>
         </a:solidFill>
-        <a:latin typeface="+mn-lt"/>
+        <a:latin typeface="Arial" charset="0"/>
         <a:ea typeface="+mn-ea"/>
-        <a:cs typeface="+mn-cs"/>
+        <a:cs typeface="Arial" charset="0"/>
       </a:defRPr>
     </a:lvl2pPr>
-    <a:lvl3pPr marL="914400" algn="l" defTabSz="914400" rtl="0" eaLnBrk="1" latinLnBrk="0" hangingPunct="1">
-      <a:defRPr sz="1800" kern="1200">
+    <a:lvl3pPr marL="914400" algn="l" rtl="0" fontAlgn="base">
+      <a:spcBef>
+        <a:spcPct val="0"/>
+      </a:spcBef>
+      <a:spcAft>
+        <a:spcPct val="0"/>
+      </a:spcAft>
+      <a:defRPr kern="1200">
         <a:solidFill>
           <a:schemeClr val="tx1"/>
         </a:solidFill>
-        <a:latin typeface="+mn-lt"/>
+        <a:latin typeface="Arial" charset="0"/>
         <a:ea typeface="+mn-ea"/>
-        <a:cs typeface="+mn-cs"/>
+        <a:cs typeface="Arial" charset="0"/>
       </a:defRPr>
     </a:lvl3pPr>
-    <a:lvl4pPr marL="1371600" algn="l" defTabSz="914400" rtl="0" eaLnBrk="1" latinLnBrk="0" hangingPunct="1">
-      <a:defRPr sz="1800" kern="1200">
+    <a:lvl4pPr marL="1371600" algn="l" rtl="0" fontAlgn="base">
+      <a:spcBef>
+        <a:spcPct val="0"/>
+      </a:spcBef>
+      <a:spcAft>
+        <a:spcPct val="0"/>
+      </a:spcAft>
+      <a:defRPr kern="1200">
         <a:solidFill>
           <a:schemeClr val="tx1"/>
         </a:solidFill>
-        <a:latin typeface="+mn-lt"/>
+        <a:latin typeface="Arial" charset="0"/>
         <a:ea typeface="+mn-ea"/>
-        <a:cs typeface="+mn-cs"/>
+        <a:cs typeface="Arial" charset="0"/>
       </a:defRPr>
     </a:lvl4pPr>
-    <a:lvl5pPr marL="1828800" algn="l" defTabSz="914400" rtl="0" eaLnBrk="1" latinLnBrk="0" hangingPunct="1">
-      <a:defRPr sz="1800" kern="1200">
+    <a:lvl5pPr marL="1828800" algn="l" rtl="0" fontAlgn="base">
+      <a:spcBef>
+        <a:spcPct val="0"/>
+      </a:spcBef>
+      <a:spcAft>
+        <a:spcPct val="0"/>
+      </a:spcAft>
+      <a:defRPr kern="1200">
         <a:solidFill>
           <a:schemeClr val="tx1"/>
         </a:solidFill>
-        <a:latin typeface="+mn-lt"/>
+        <a:latin typeface="Arial" charset="0"/>
         <a:ea typeface="+mn-ea"/>
-        <a:cs typeface="+mn-cs"/>
+        <a:cs typeface="Arial" charset="0"/>
       </a:defRPr>
     </a:lvl5pPr>
     <a:lvl6pPr marL="2286000" algn="l" defTabSz="914400" rtl="0" eaLnBrk="1" latinLnBrk="0" hangingPunct="1">
-      <a:defRPr sz="1800" kern="1200">
+      <a:defRPr kern="1200">
         <a:solidFill>
           <a:schemeClr val="tx1"/>
         </a:solidFill>
-        <a:latin typeface="+mn-lt"/>
+        <a:latin typeface="Arial" charset="0"/>
         <a:ea typeface="+mn-ea"/>
-        <a:cs typeface="+mn-cs"/>
+        <a:cs typeface="Arial" charset="0"/>
       </a:defRPr>
     </a:lvl6pPr>
     <a:lvl7pPr marL="2743200" algn="l" defTabSz="914400" rtl="0" eaLnBrk="1" latinLnBrk="0" hangingPunct="1">
-      <a:defRPr sz="1800" kern="1200">
+      <a:defRPr kern="1200">
         <a:solidFill>
           <a:schemeClr val="tx1"/>
         </a:solidFill>
-        <a:latin typeface="+mn-lt"/>
+        <a:latin typeface="Arial" charset="0"/>
         <a:ea typeface="+mn-ea"/>
-        <a:cs typeface="+mn-cs"/>
+        <a:cs typeface="Arial" charset="0"/>
       </a:defRPr>
     </a:lvl7pPr>
     <a:lvl8pPr marL="3200400" algn="l" defTabSz="914400" rtl="0" eaLnBrk="1" latinLnBrk="0" hangingPunct="1">
-      <a:defRPr sz="1800" kern="1200">
+      <a:defRPr kern="1200">
         <a:solidFill>
           <a:schemeClr val="tx1"/>
         </a:solidFill>
-        <a:latin typeface="+mn-lt"/>
+        <a:latin typeface="Arial" charset="0"/>
         <a:ea typeface="+mn-ea"/>
-        <a:cs typeface="+mn-cs"/>
+        <a:cs typeface="Arial" charset="0"/>
       </a:defRPr>
     </a:lvl8pPr>
     <a:lvl9pPr marL="3657600" algn="l" defTabSz="914400" rtl="0" eaLnBrk="1" latinLnBrk="0" hangingPunct="1">
-      <a:defRPr sz="1800" kern="1200">
+      <a:defRPr kern="1200">
         <a:solidFill>
           <a:schemeClr val="tx1"/>
         </a:solidFill>
-        <a:latin typeface="+mn-lt"/>
+        <a:latin typeface="Arial" charset="0"/>
         <a:ea typeface="+mn-ea"/>
-        <a:cs typeface="+mn-cs"/>
+        <a:cs typeface="Arial" charset="0"/>
       </a:defRPr>
     </a:lvl9pPr>
   </p:defaultTextStyle>
@@ -285,12 +315,21 @@
         <p:spPr/>
         <p:txBody>
           <a:bodyPr/>
-          <a:lstStyle/>
-          <a:p>
-            <a:fld id="{D959F413-3B1F-4EDA-9678-B877E1C4A860}" type="datetimeFigureOut">
-              <a:rPr lang="en-US" smtClean="0"/>
-              <a:pPr/>
-              <a:t>3/5/2013</a:t>
+          <a:lstStyle>
+            <a:lvl1pPr>
+              <a:defRPr/>
+            </a:lvl1pPr>
+          </a:lstStyle>
+          <a:p>
+            <a:pPr>
+              <a:defRPr/>
+            </a:pPr>
+            <a:fld id="{64211F4C-93E3-4DF7-A6D3-30F1B6660D2D}" type="datetimeFigureOut">
+              <a:rPr lang="en-US"/>
+              <a:pPr>
+                <a:defRPr/>
+              </a:pPr>
+              <a:t>3/26/2013</a:t>
             </a:fld>
             <a:endParaRPr lang="en-US"/>
           </a:p>
@@ -309,8 +348,15 @@
         <p:spPr/>
         <p:txBody>
           <a:bodyPr/>
-          <a:lstStyle/>
-          <a:p>
+          <a:lstStyle>
+            <a:lvl1pPr>
+              <a:defRPr/>
+            </a:lvl1pPr>
+          </a:lstStyle>
+          <a:p>
+            <a:pPr>
+              <a:defRPr/>
+            </a:pPr>
             <a:endParaRPr lang="en-US"/>
           </a:p>
         </p:txBody>
@@ -328,11 +374,20 @@
         <p:spPr/>
         <p:txBody>
           <a:bodyPr/>
-          <a:lstStyle/>
-          <a:p>
-            <a:fld id="{77D5BC96-C262-44A9-A0BB-2BDA2E2D380A}" type="slidenum">
-              <a:rPr lang="en-US" smtClean="0"/>
-              <a:pPr/>
+          <a:lstStyle>
+            <a:lvl1pPr>
+              <a:defRPr/>
+            </a:lvl1pPr>
+          </a:lstStyle>
+          <a:p>
+            <a:pPr>
+              <a:defRPr/>
+            </a:pPr>
+            <a:fld id="{3A4C2F15-952F-4C24-A852-3B3ABEE010FD}" type="slidenum">
+              <a:rPr lang="en-US"/>
+              <a:pPr>
+                <a:defRPr/>
+              </a:pPr>
               <a:t>‹#›</a:t>
             </a:fld>
             <a:endParaRPr lang="en-US"/>
@@ -452,12 +507,21 @@
         <p:spPr/>
         <p:txBody>
           <a:bodyPr/>
-          <a:lstStyle/>
-          <a:p>
-            <a:fld id="{D959F413-3B1F-4EDA-9678-B877E1C4A860}" type="datetimeFigureOut">
-              <a:rPr lang="en-US" smtClean="0"/>
-              <a:pPr/>
-              <a:t>3/5/2013</a:t>
+          <a:lstStyle>
+            <a:lvl1pPr>
+              <a:defRPr/>
+            </a:lvl1pPr>
+          </a:lstStyle>
+          <a:p>
+            <a:pPr>
+              <a:defRPr/>
+            </a:pPr>
+            <a:fld id="{A8493E7F-C0F7-4E17-AE7A-ED8A8A67BA79}" type="datetimeFigureOut">
+              <a:rPr lang="en-US"/>
+              <a:pPr>
+                <a:defRPr/>
+              </a:pPr>
+              <a:t>3/26/2013</a:t>
             </a:fld>
             <a:endParaRPr lang="en-US"/>
           </a:p>
@@ -476,8 +540,15 @@
         <p:spPr/>
         <p:txBody>
           <a:bodyPr/>
-          <a:lstStyle/>
-          <a:p>
+          <a:lstStyle>
+            <a:lvl1pPr>
+              <a:defRPr/>
+            </a:lvl1pPr>
+          </a:lstStyle>
+          <a:p>
+            <a:pPr>
+              <a:defRPr/>
+            </a:pPr>
             <a:endParaRPr lang="en-US"/>
           </a:p>
         </p:txBody>
@@ -495,11 +566,20 @@
         <p:spPr/>
         <p:txBody>
           <a:bodyPr/>
-          <a:lstStyle/>
-          <a:p>
-            <a:fld id="{77D5BC96-C262-44A9-A0BB-2BDA2E2D380A}" type="slidenum">
-              <a:rPr lang="en-US" smtClean="0"/>
-              <a:pPr/>
+          <a:lstStyle>
+            <a:lvl1pPr>
+              <a:defRPr/>
+            </a:lvl1pPr>
+          </a:lstStyle>
+          <a:p>
+            <a:pPr>
+              <a:defRPr/>
+            </a:pPr>
+            <a:fld id="{7B7227F4-CC3D-4290-8E56-713CA99A79EF}" type="slidenum">
+              <a:rPr lang="en-US"/>
+              <a:pPr>
+                <a:defRPr/>
+              </a:pPr>
               <a:t>‹#›</a:t>
             </a:fld>
             <a:endParaRPr lang="en-US"/>
@@ -629,12 +709,21 @@
         <p:spPr/>
         <p:txBody>
           <a:bodyPr/>
-          <a:lstStyle/>
-          <a:p>
-            <a:fld id="{D959F413-3B1F-4EDA-9678-B877E1C4A860}" type="datetimeFigureOut">
-              <a:rPr lang="en-US" smtClean="0"/>
-              <a:pPr/>
-              <a:t>3/5/2013</a:t>
+          <a:lstStyle>
+            <a:lvl1pPr>
+              <a:defRPr/>
+            </a:lvl1pPr>
+          </a:lstStyle>
+          <a:p>
+            <a:pPr>
+              <a:defRPr/>
+            </a:pPr>
+            <a:fld id="{5D4D47ED-F76D-4558-968A-82BB4D3AD7B5}" type="datetimeFigureOut">
+              <a:rPr lang="en-US"/>
+              <a:pPr>
+                <a:defRPr/>
+              </a:pPr>
+              <a:t>3/26/2013</a:t>
             </a:fld>
             <a:endParaRPr lang="en-US"/>
           </a:p>
@@ -653,8 +742,15 @@
         <p:spPr/>
         <p:txBody>
           <a:bodyPr/>
-          <a:lstStyle/>
-          <a:p>
+          <a:lstStyle>
+            <a:lvl1pPr>
+              <a:defRPr/>
+            </a:lvl1pPr>
+          </a:lstStyle>
+          <a:p>
+            <a:pPr>
+              <a:defRPr/>
+            </a:pPr>
             <a:endParaRPr lang="en-US"/>
           </a:p>
         </p:txBody>
@@ -672,11 +768,20 @@
         <p:spPr/>
         <p:txBody>
           <a:bodyPr/>
-          <a:lstStyle/>
-          <a:p>
-            <a:fld id="{77D5BC96-C262-44A9-A0BB-2BDA2E2D380A}" type="slidenum">
-              <a:rPr lang="en-US" smtClean="0"/>
-              <a:pPr/>
+          <a:lstStyle>
+            <a:lvl1pPr>
+              <a:defRPr/>
+            </a:lvl1pPr>
+          </a:lstStyle>
+          <a:p>
+            <a:pPr>
+              <a:defRPr/>
+            </a:pPr>
+            <a:fld id="{38917F2B-CC6B-448F-9EFA-C98284D563DF}" type="slidenum">
+              <a:rPr lang="en-US"/>
+              <a:pPr>
+                <a:defRPr/>
+              </a:pPr>
               <a:t>‹#›</a:t>
             </a:fld>
             <a:endParaRPr lang="en-US"/>
@@ -796,12 +901,21 @@
         <p:spPr/>
         <p:txBody>
           <a:bodyPr/>
-          <a:lstStyle/>
-          <a:p>
-            <a:fld id="{D959F413-3B1F-4EDA-9678-B877E1C4A860}" type="datetimeFigureOut">
-              <a:rPr lang="en-US" smtClean="0"/>
-              <a:pPr/>
-              <a:t>3/5/2013</a:t>
+          <a:lstStyle>
+            <a:lvl1pPr>
+              <a:defRPr/>
+            </a:lvl1pPr>
+          </a:lstStyle>
+          <a:p>
+            <a:pPr>
+              <a:defRPr/>
+            </a:pPr>
+            <a:fld id="{449FEB88-5F2B-4B09-8F60-CA4C585B6FFC}" type="datetimeFigureOut">
+              <a:rPr lang="en-US"/>
+              <a:pPr>
+                <a:defRPr/>
+              </a:pPr>
+              <a:t>3/26/2013</a:t>
             </a:fld>
             <a:endParaRPr lang="en-US"/>
           </a:p>
@@ -820,8 +934,15 @@
         <p:spPr/>
         <p:txBody>
           <a:bodyPr/>
-          <a:lstStyle/>
-          <a:p>
+          <a:lstStyle>
+            <a:lvl1pPr>
+              <a:defRPr/>
+            </a:lvl1pPr>
+          </a:lstStyle>
+          <a:p>
+            <a:pPr>
+              <a:defRPr/>
+            </a:pPr>
             <a:endParaRPr lang="en-US"/>
           </a:p>
         </p:txBody>
@@ -839,11 +960,20 @@
         <p:spPr/>
         <p:txBody>
           <a:bodyPr/>
-          <a:lstStyle/>
-          <a:p>
-            <a:fld id="{77D5BC96-C262-44A9-A0BB-2BDA2E2D380A}" type="slidenum">
-              <a:rPr lang="en-US" smtClean="0"/>
-              <a:pPr/>
+          <a:lstStyle>
+            <a:lvl1pPr>
+              <a:defRPr/>
+            </a:lvl1pPr>
+          </a:lstStyle>
+          <a:p>
+            <a:pPr>
+              <a:defRPr/>
+            </a:pPr>
+            <a:fld id="{03A71232-A6DE-4A2B-A486-105185C0E18E}" type="slidenum">
+              <a:rPr lang="en-US"/>
+              <a:pPr>
+                <a:defRPr/>
+              </a:pPr>
               <a:t>‹#›</a:t>
             </a:fld>
             <a:endParaRPr lang="en-US"/>
@@ -1039,12 +1169,21 @@
         <p:spPr/>
         <p:txBody>
           <a:bodyPr/>
-          <a:lstStyle/>
-          <a:p>
-            <a:fld id="{D959F413-3B1F-4EDA-9678-B877E1C4A860}" type="datetimeFigureOut">
-              <a:rPr lang="en-US" smtClean="0"/>
-              <a:pPr/>
-              <a:t>3/5/2013</a:t>
+          <a:lstStyle>
+            <a:lvl1pPr>
+              <a:defRPr/>
+            </a:lvl1pPr>
+          </a:lstStyle>
+          <a:p>
+            <a:pPr>
+              <a:defRPr/>
+            </a:pPr>
+            <a:fld id="{E0ECAEF9-6FF7-4B56-A35D-188D0D330148}" type="datetimeFigureOut">
+              <a:rPr lang="en-US"/>
+              <a:pPr>
+                <a:defRPr/>
+              </a:pPr>
+              <a:t>3/26/2013</a:t>
             </a:fld>
             <a:endParaRPr lang="en-US"/>
           </a:p>
@@ -1063,8 +1202,15 @@
         <p:spPr/>
         <p:txBody>
           <a:bodyPr/>
-          <a:lstStyle/>
-          <a:p>
+          <a:lstStyle>
+            <a:lvl1pPr>
+              <a:defRPr/>
+            </a:lvl1pPr>
+          </a:lstStyle>
+          <a:p>
+            <a:pPr>
+              <a:defRPr/>
+            </a:pPr>
             <a:endParaRPr lang="en-US"/>
           </a:p>
         </p:txBody>
@@ -1082,11 +1228,20 @@
         <p:spPr/>
         <p:txBody>
           <a:bodyPr/>
-          <a:lstStyle/>
-          <a:p>
-            <a:fld id="{77D5BC96-C262-44A9-A0BB-2BDA2E2D380A}" type="slidenum">
-              <a:rPr lang="en-US" smtClean="0"/>
-              <a:pPr/>
+          <a:lstStyle>
+            <a:lvl1pPr>
+              <a:defRPr/>
+            </a:lvl1pPr>
+          </a:lstStyle>
+          <a:p>
+            <a:pPr>
+              <a:defRPr/>
+            </a:pPr>
+            <a:fld id="{2BAEEC95-AA59-471D-9731-0AEED81864B5}" type="slidenum">
+              <a:rPr lang="en-US"/>
+              <a:pPr>
+                <a:defRPr/>
+              </a:pPr>
               <a:t>‹#›</a:t>
             </a:fld>
             <a:endParaRPr lang="en-US"/>
@@ -1313,7 +1468,7 @@
       </p:sp>
       <p:sp>
         <p:nvSpPr>
-          <p:cNvPr id="5" name="Date Placeholder 4"/>
+          <p:cNvPr id="5" name="Date Placeholder 3"/>
           <p:cNvSpPr>
             <a:spLocks noGrp="1"/>
           </p:cNvSpPr>
@@ -1324,12 +1479,21 @@
         <p:spPr/>
         <p:txBody>
           <a:bodyPr/>
-          <a:lstStyle/>
-          <a:p>
-            <a:fld id="{D959F413-3B1F-4EDA-9678-B877E1C4A860}" type="datetimeFigureOut">
-              <a:rPr lang="en-US" smtClean="0"/>
-              <a:pPr/>
-              <a:t>3/5/2013</a:t>
+          <a:lstStyle>
+            <a:lvl1pPr>
+              <a:defRPr/>
+            </a:lvl1pPr>
+          </a:lstStyle>
+          <a:p>
+            <a:pPr>
+              <a:defRPr/>
+            </a:pPr>
+            <a:fld id="{C793C767-BC7C-4651-9972-1608F4E4F392}" type="datetimeFigureOut">
+              <a:rPr lang="en-US"/>
+              <a:pPr>
+                <a:defRPr/>
+              </a:pPr>
+              <a:t>3/26/2013</a:t>
             </a:fld>
             <a:endParaRPr lang="en-US"/>
           </a:p>
@@ -1337,7 +1501,7 @@
       </p:sp>
       <p:sp>
         <p:nvSpPr>
-          <p:cNvPr id="6" name="Footer Placeholder 5"/>
+          <p:cNvPr id="6" name="Footer Placeholder 4"/>
           <p:cNvSpPr>
             <a:spLocks noGrp="1"/>
           </p:cNvSpPr>
@@ -1348,15 +1512,22 @@
         <p:spPr/>
         <p:txBody>
           <a:bodyPr/>
-          <a:lstStyle/>
-          <a:p>
-            <a:endParaRPr lang="en-US"/>
-          </a:p>
-        </p:txBody>
-      </p:sp>
-      <p:sp>
-        <p:nvSpPr>
-          <p:cNvPr id="7" name="Slide Number Placeholder 6"/>
+          <a:lstStyle>
+            <a:lvl1pPr>
+              <a:defRPr/>
+            </a:lvl1pPr>
+          </a:lstStyle>
+          <a:p>
+            <a:pPr>
+              <a:defRPr/>
+            </a:pPr>
+            <a:endParaRPr lang="en-US"/>
+          </a:p>
+        </p:txBody>
+      </p:sp>
+      <p:sp>
+        <p:nvSpPr>
+          <p:cNvPr id="7" name="Slide Number Placeholder 5"/>
           <p:cNvSpPr>
             <a:spLocks noGrp="1"/>
           </p:cNvSpPr>
@@ -1367,11 +1538,20 @@
         <p:spPr/>
         <p:txBody>
           <a:bodyPr/>
-          <a:lstStyle/>
-          <a:p>
-            <a:fld id="{77D5BC96-C262-44A9-A0BB-2BDA2E2D380A}" type="slidenum">
-              <a:rPr lang="en-US" smtClean="0"/>
-              <a:pPr/>
+          <a:lstStyle>
+            <a:lvl1pPr>
+              <a:defRPr/>
+            </a:lvl1pPr>
+          </a:lstStyle>
+          <a:p>
+            <a:pPr>
+              <a:defRPr/>
+            </a:pPr>
+            <a:fld id="{E4AFEFC0-4BD5-43C3-80F2-710ACB8B40CC}" type="slidenum">
+              <a:rPr lang="en-US"/>
+              <a:pPr>
+                <a:defRPr/>
+              </a:pPr>
               <a:t>‹#›</a:t>
             </a:fld>
             <a:endParaRPr lang="en-US"/>
@@ -1732,7 +1912,7 @@
       </p:sp>
       <p:sp>
         <p:nvSpPr>
-          <p:cNvPr id="7" name="Date Placeholder 6"/>
+          <p:cNvPr id="7" name="Date Placeholder 3"/>
           <p:cNvSpPr>
             <a:spLocks noGrp="1"/>
           </p:cNvSpPr>
@@ -1743,12 +1923,21 @@
         <p:spPr/>
         <p:txBody>
           <a:bodyPr/>
-          <a:lstStyle/>
-          <a:p>
-            <a:fld id="{D959F413-3B1F-4EDA-9678-B877E1C4A860}" type="datetimeFigureOut">
-              <a:rPr lang="en-US" smtClean="0"/>
-              <a:pPr/>
-              <a:t>3/5/2013</a:t>
+          <a:lstStyle>
+            <a:lvl1pPr>
+              <a:defRPr/>
+            </a:lvl1pPr>
+          </a:lstStyle>
+          <a:p>
+            <a:pPr>
+              <a:defRPr/>
+            </a:pPr>
+            <a:fld id="{A1BC8384-F0B4-446C-87B2-D85B24628AD7}" type="datetimeFigureOut">
+              <a:rPr lang="en-US"/>
+              <a:pPr>
+                <a:defRPr/>
+              </a:pPr>
+              <a:t>3/26/2013</a:t>
             </a:fld>
             <a:endParaRPr lang="en-US"/>
           </a:p>
@@ -1756,7 +1945,7 @@
       </p:sp>
       <p:sp>
         <p:nvSpPr>
-          <p:cNvPr id="8" name="Footer Placeholder 7"/>
+          <p:cNvPr id="8" name="Footer Placeholder 4"/>
           <p:cNvSpPr>
             <a:spLocks noGrp="1"/>
           </p:cNvSpPr>
@@ -1767,15 +1956,22 @@
         <p:spPr/>
         <p:txBody>
           <a:bodyPr/>
-          <a:lstStyle/>
-          <a:p>
-            <a:endParaRPr lang="en-US"/>
-          </a:p>
-        </p:txBody>
-      </p:sp>
-      <p:sp>
-        <p:nvSpPr>
-          <p:cNvPr id="9" name="Slide Number Placeholder 8"/>
+          <a:lstStyle>
+            <a:lvl1pPr>
+              <a:defRPr/>
+            </a:lvl1pPr>
+          </a:lstStyle>
+          <a:p>
+            <a:pPr>
+              <a:defRPr/>
+            </a:pPr>
+            <a:endParaRPr lang="en-US"/>
+          </a:p>
+        </p:txBody>
+      </p:sp>
+      <p:sp>
+        <p:nvSpPr>
+          <p:cNvPr id="9" name="Slide Number Placeholder 5"/>
           <p:cNvSpPr>
             <a:spLocks noGrp="1"/>
           </p:cNvSpPr>
@@ -1786,11 +1982,20 @@
         <p:spPr/>
         <p:txBody>
           <a:bodyPr/>
-          <a:lstStyle/>
-          <a:p>
-            <a:fld id="{77D5BC96-C262-44A9-A0BB-2BDA2E2D380A}" type="slidenum">
-              <a:rPr lang="en-US" smtClean="0"/>
-              <a:pPr/>
+          <a:lstStyle>
+            <a:lvl1pPr>
+              <a:defRPr/>
+            </a:lvl1pPr>
+          </a:lstStyle>
+          <a:p>
+            <a:pPr>
+              <a:defRPr/>
+            </a:pPr>
+            <a:fld id="{92B3AC9D-82E0-499F-9CDE-B1BC372F886B}" type="slidenum">
+              <a:rPr lang="en-US"/>
+              <a:pPr>
+                <a:defRPr/>
+              </a:pPr>
               <a:t>‹#›</a:t>
             </a:fld>
             <a:endParaRPr lang="en-US"/>
@@ -1847,7 +2052,7 @@
       </p:sp>
       <p:sp>
         <p:nvSpPr>
-          <p:cNvPr id="3" name="Date Placeholder 2"/>
+          <p:cNvPr id="3" name="Date Placeholder 3"/>
           <p:cNvSpPr>
             <a:spLocks noGrp="1"/>
           </p:cNvSpPr>
@@ -1858,12 +2063,21 @@
         <p:spPr/>
         <p:txBody>
           <a:bodyPr/>
-          <a:lstStyle/>
-          <a:p>
-            <a:fld id="{D959F413-3B1F-4EDA-9678-B877E1C4A860}" type="datetimeFigureOut">
-              <a:rPr lang="en-US" smtClean="0"/>
-              <a:pPr/>
-              <a:t>3/5/2013</a:t>
+          <a:lstStyle>
+            <a:lvl1pPr>
+              <a:defRPr/>
+            </a:lvl1pPr>
+          </a:lstStyle>
+          <a:p>
+            <a:pPr>
+              <a:defRPr/>
+            </a:pPr>
+            <a:fld id="{3F1B3D21-3172-4E09-B3E3-BA9867413DB6}" type="datetimeFigureOut">
+              <a:rPr lang="en-US"/>
+              <a:pPr>
+                <a:defRPr/>
+              </a:pPr>
+              <a:t>3/26/2013</a:t>
             </a:fld>
             <a:endParaRPr lang="en-US"/>
           </a:p>
@@ -1871,7 +2085,7 @@
       </p:sp>
       <p:sp>
         <p:nvSpPr>
-          <p:cNvPr id="4" name="Footer Placeholder 3"/>
+          <p:cNvPr id="4" name="Footer Placeholder 4"/>
           <p:cNvSpPr>
             <a:spLocks noGrp="1"/>
           </p:cNvSpPr>
@@ -1882,15 +2096,22 @@
         <p:spPr/>
         <p:txBody>
           <a:bodyPr/>
-          <a:lstStyle/>
-          <a:p>
-            <a:endParaRPr lang="en-US"/>
-          </a:p>
-        </p:txBody>
-      </p:sp>
-      <p:sp>
-        <p:nvSpPr>
-          <p:cNvPr id="5" name="Slide Number Placeholder 4"/>
+          <a:lstStyle>
+            <a:lvl1pPr>
+              <a:defRPr/>
+            </a:lvl1pPr>
+          </a:lstStyle>
+          <a:p>
+            <a:pPr>
+              <a:defRPr/>
+            </a:pPr>
+            <a:endParaRPr lang="en-US"/>
+          </a:p>
+        </p:txBody>
+      </p:sp>
+      <p:sp>
+        <p:nvSpPr>
+          <p:cNvPr id="5" name="Slide Number Placeholder 5"/>
           <p:cNvSpPr>
             <a:spLocks noGrp="1"/>
           </p:cNvSpPr>
@@ -1901,11 +2122,20 @@
         <p:spPr/>
         <p:txBody>
           <a:bodyPr/>
-          <a:lstStyle/>
-          <a:p>
-            <a:fld id="{77D5BC96-C262-44A9-A0BB-2BDA2E2D380A}" type="slidenum">
-              <a:rPr lang="en-US" smtClean="0"/>
-              <a:pPr/>
+          <a:lstStyle>
+            <a:lvl1pPr>
+              <a:defRPr/>
+            </a:lvl1pPr>
+          </a:lstStyle>
+          <a:p>
+            <a:pPr>
+              <a:defRPr/>
+            </a:pPr>
+            <a:fld id="{042C7931-B20E-4CC5-9252-BA89C9DD26E3}" type="slidenum">
+              <a:rPr lang="en-US"/>
+              <a:pPr>
+                <a:defRPr/>
+              </a:pPr>
               <a:t>‹#›</a:t>
             </a:fld>
             <a:endParaRPr lang="en-US"/>
@@ -1939,7 +2169,7 @@
       </p:grpSpPr>
       <p:sp>
         <p:nvSpPr>
-          <p:cNvPr id="2" name="Date Placeholder 1"/>
+          <p:cNvPr id="2" name="Date Placeholder 3"/>
           <p:cNvSpPr>
             <a:spLocks noGrp="1"/>
           </p:cNvSpPr>
@@ -1950,12 +2180,21 @@
         <p:spPr/>
         <p:txBody>
           <a:bodyPr/>
-          <a:lstStyle/>
-          <a:p>
-            <a:fld id="{D959F413-3B1F-4EDA-9678-B877E1C4A860}" type="datetimeFigureOut">
-              <a:rPr lang="en-US" smtClean="0"/>
-              <a:pPr/>
-              <a:t>3/5/2013</a:t>
+          <a:lstStyle>
+            <a:lvl1pPr>
+              <a:defRPr/>
+            </a:lvl1pPr>
+          </a:lstStyle>
+          <a:p>
+            <a:pPr>
+              <a:defRPr/>
+            </a:pPr>
+            <a:fld id="{45AA6B6D-1668-4C25-A91D-809445475672}" type="datetimeFigureOut">
+              <a:rPr lang="en-US"/>
+              <a:pPr>
+                <a:defRPr/>
+              </a:pPr>
+              <a:t>3/26/2013</a:t>
             </a:fld>
             <a:endParaRPr lang="en-US"/>
           </a:p>
@@ -1963,7 +2202,7 @@
       </p:sp>
       <p:sp>
         <p:nvSpPr>
-          <p:cNvPr id="3" name="Footer Placeholder 2"/>
+          <p:cNvPr id="3" name="Footer Placeholder 4"/>
           <p:cNvSpPr>
             <a:spLocks noGrp="1"/>
           </p:cNvSpPr>
@@ -1974,15 +2213,22 @@
         <p:spPr/>
         <p:txBody>
           <a:bodyPr/>
-          <a:lstStyle/>
-          <a:p>
-            <a:endParaRPr lang="en-US"/>
-          </a:p>
-        </p:txBody>
-      </p:sp>
-      <p:sp>
-        <p:nvSpPr>
-          <p:cNvPr id="4" name="Slide Number Placeholder 3"/>
+          <a:lstStyle>
+            <a:lvl1pPr>
+              <a:defRPr/>
+            </a:lvl1pPr>
+          </a:lstStyle>
+          <a:p>
+            <a:pPr>
+              <a:defRPr/>
+            </a:pPr>
+            <a:endParaRPr lang="en-US"/>
+          </a:p>
+        </p:txBody>
+      </p:sp>
+      <p:sp>
+        <p:nvSpPr>
+          <p:cNvPr id="4" name="Slide Number Placeholder 5"/>
           <p:cNvSpPr>
             <a:spLocks noGrp="1"/>
           </p:cNvSpPr>
@@ -1993,11 +2239,20 @@
         <p:spPr/>
         <p:txBody>
           <a:bodyPr/>
-          <a:lstStyle/>
-          <a:p>
-            <a:fld id="{77D5BC96-C262-44A9-A0BB-2BDA2E2D380A}" type="slidenum">
-              <a:rPr lang="en-US" smtClean="0"/>
-              <a:pPr/>
+          <a:lstStyle>
+            <a:lvl1pPr>
+              <a:defRPr/>
+            </a:lvl1pPr>
+          </a:lstStyle>
+          <a:p>
+            <a:pPr>
+              <a:defRPr/>
+            </a:pPr>
+            <a:fld id="{9247D5F8-B31A-440E-883D-FD1A47520CEB}" type="slidenum">
+              <a:rPr lang="en-US"/>
+              <a:pPr>
+                <a:defRPr/>
+              </a:pPr>
               <a:t>‹#›</a:t>
             </a:fld>
             <a:endParaRPr lang="en-US"/>
@@ -2213,7 +2468,7 @@
       </p:sp>
       <p:sp>
         <p:nvSpPr>
-          <p:cNvPr id="5" name="Date Placeholder 4"/>
+          <p:cNvPr id="5" name="Date Placeholder 3"/>
           <p:cNvSpPr>
             <a:spLocks noGrp="1"/>
           </p:cNvSpPr>
@@ -2224,12 +2479,21 @@
         <p:spPr/>
         <p:txBody>
           <a:bodyPr/>
-          <a:lstStyle/>
-          <a:p>
-            <a:fld id="{D959F413-3B1F-4EDA-9678-B877E1C4A860}" type="datetimeFigureOut">
-              <a:rPr lang="en-US" smtClean="0"/>
-              <a:pPr/>
-              <a:t>3/5/2013</a:t>
+          <a:lstStyle>
+            <a:lvl1pPr>
+              <a:defRPr/>
+            </a:lvl1pPr>
+          </a:lstStyle>
+          <a:p>
+            <a:pPr>
+              <a:defRPr/>
+            </a:pPr>
+            <a:fld id="{37DBBF40-0B85-42C2-9121-1C381DA85CB4}" type="datetimeFigureOut">
+              <a:rPr lang="en-US"/>
+              <a:pPr>
+                <a:defRPr/>
+              </a:pPr>
+              <a:t>3/26/2013</a:t>
             </a:fld>
             <a:endParaRPr lang="en-US"/>
           </a:p>
@@ -2237,7 +2501,7 @@
       </p:sp>
       <p:sp>
         <p:nvSpPr>
-          <p:cNvPr id="6" name="Footer Placeholder 5"/>
+          <p:cNvPr id="6" name="Footer Placeholder 4"/>
           <p:cNvSpPr>
             <a:spLocks noGrp="1"/>
           </p:cNvSpPr>
@@ -2248,15 +2512,22 @@
         <p:spPr/>
         <p:txBody>
           <a:bodyPr/>
-          <a:lstStyle/>
-          <a:p>
-            <a:endParaRPr lang="en-US"/>
-          </a:p>
-        </p:txBody>
-      </p:sp>
-      <p:sp>
-        <p:nvSpPr>
-          <p:cNvPr id="7" name="Slide Number Placeholder 6"/>
+          <a:lstStyle>
+            <a:lvl1pPr>
+              <a:defRPr/>
+            </a:lvl1pPr>
+          </a:lstStyle>
+          <a:p>
+            <a:pPr>
+              <a:defRPr/>
+            </a:pPr>
+            <a:endParaRPr lang="en-US"/>
+          </a:p>
+        </p:txBody>
+      </p:sp>
+      <p:sp>
+        <p:nvSpPr>
+          <p:cNvPr id="7" name="Slide Number Placeholder 5"/>
           <p:cNvSpPr>
             <a:spLocks noGrp="1"/>
           </p:cNvSpPr>
@@ -2267,11 +2538,20 @@
         <p:spPr/>
         <p:txBody>
           <a:bodyPr/>
-          <a:lstStyle/>
-          <a:p>
-            <a:fld id="{77D5BC96-C262-44A9-A0BB-2BDA2E2D380A}" type="slidenum">
-              <a:rPr lang="en-US" smtClean="0"/>
-              <a:pPr/>
+          <a:lstStyle>
+            <a:lvl1pPr>
+              <a:defRPr/>
+            </a:lvl1pPr>
+          </a:lstStyle>
+          <a:p>
+            <a:pPr>
+              <a:defRPr/>
+            </a:pPr>
+            <a:fld id="{3D46FD62-6AA5-40EE-851A-24C3D256415A}" type="slidenum">
+              <a:rPr lang="en-US"/>
+              <a:pPr>
+                <a:defRPr/>
+              </a:pPr>
               <a:t>‹#›</a:t>
             </a:fld>
             <a:endParaRPr lang="en-US"/>
@@ -2352,7 +2632,9 @@
           </a:xfrm>
         </p:spPr>
         <p:txBody>
-          <a:bodyPr/>
+          <a:bodyPr rtlCol="0">
+            <a:normAutofit/>
+          </a:bodyPr>
           <a:lstStyle>
             <a:lvl1pPr marL="0" indent="0">
               <a:buNone/>
@@ -2392,11 +2674,12 @@
             </a:lvl9pPr>
           </a:lstStyle>
           <a:p>
-            <a:r>
-              <a:rPr lang="en-US" smtClean="0"/>
+            <a:pPr lvl="0"/>
+            <a:r>
+              <a:rPr lang="en-US" noProof="0" smtClean="0"/>
               <a:t>Click icon to add picture</a:t>
             </a:r>
-            <a:endParaRPr lang="en-US"/>
+            <a:endParaRPr lang="en-US" noProof="0"/>
           </a:p>
         </p:txBody>
       </p:sp>
@@ -2467,7 +2750,7 @@
       </p:sp>
       <p:sp>
         <p:nvSpPr>
-          <p:cNvPr id="5" name="Date Placeholder 4"/>
+          <p:cNvPr id="5" name="Date Placeholder 3"/>
           <p:cNvSpPr>
             <a:spLocks noGrp="1"/>
           </p:cNvSpPr>
@@ -2478,12 +2761,21 @@
         <p:spPr/>
         <p:txBody>
           <a:bodyPr/>
-          <a:lstStyle/>
-          <a:p>
-            <a:fld id="{D959F413-3B1F-4EDA-9678-B877E1C4A860}" type="datetimeFigureOut">
-              <a:rPr lang="en-US" smtClean="0"/>
-              <a:pPr/>
-              <a:t>3/5/2013</a:t>
+          <a:lstStyle>
+            <a:lvl1pPr>
+              <a:defRPr/>
+            </a:lvl1pPr>
+          </a:lstStyle>
+          <a:p>
+            <a:pPr>
+              <a:defRPr/>
+            </a:pPr>
+            <a:fld id="{E5449983-0119-44FE-A1A1-828EB4911CD6}" type="datetimeFigureOut">
+              <a:rPr lang="en-US"/>
+              <a:pPr>
+                <a:defRPr/>
+              </a:pPr>
+              <a:t>3/26/2013</a:t>
             </a:fld>
             <a:endParaRPr lang="en-US"/>
           </a:p>
@@ -2491,7 +2783,7 @@
       </p:sp>
       <p:sp>
         <p:nvSpPr>
-          <p:cNvPr id="6" name="Footer Placeholder 5"/>
+          <p:cNvPr id="6" name="Footer Placeholder 4"/>
           <p:cNvSpPr>
             <a:spLocks noGrp="1"/>
           </p:cNvSpPr>
@@ -2502,15 +2794,22 @@
         <p:spPr/>
         <p:txBody>
           <a:bodyPr/>
-          <a:lstStyle/>
-          <a:p>
-            <a:endParaRPr lang="en-US"/>
-          </a:p>
-        </p:txBody>
-      </p:sp>
-      <p:sp>
-        <p:nvSpPr>
-          <p:cNvPr id="7" name="Slide Number Placeholder 6"/>
+          <a:lstStyle>
+            <a:lvl1pPr>
+              <a:defRPr/>
+            </a:lvl1pPr>
+          </a:lstStyle>
+          <a:p>
+            <a:pPr>
+              <a:defRPr/>
+            </a:pPr>
+            <a:endParaRPr lang="en-US"/>
+          </a:p>
+        </p:txBody>
+      </p:sp>
+      <p:sp>
+        <p:nvSpPr>
+          <p:cNvPr id="7" name="Slide Number Placeholder 5"/>
           <p:cNvSpPr>
             <a:spLocks noGrp="1"/>
           </p:cNvSpPr>
@@ -2521,11 +2820,20 @@
         <p:spPr/>
         <p:txBody>
           <a:bodyPr/>
-          <a:lstStyle/>
-          <a:p>
-            <a:fld id="{77D5BC96-C262-44A9-A0BB-2BDA2E2D380A}" type="slidenum">
-              <a:rPr lang="en-US" smtClean="0"/>
-              <a:pPr/>
+          <a:lstStyle>
+            <a:lvl1pPr>
+              <a:defRPr/>
+            </a:lvl1pPr>
+          </a:lstStyle>
+          <a:p>
+            <a:pPr>
+              <a:defRPr/>
+            </a:pPr>
+            <a:fld id="{25FB3C24-B14E-425E-A8AD-C57EE23C2507}" type="slidenum">
+              <a:rPr lang="en-US"/>
+              <a:pPr>
+                <a:defRPr/>
+              </a:pPr>
               <a:t>‹#›</a:t>
             </a:fld>
             <a:endParaRPr lang="en-US"/>
@@ -2564,7 +2872,7 @@
       </p:grpSpPr>
       <p:sp>
         <p:nvSpPr>
-          <p:cNvPr id="2" name="Title Placeholder 1"/>
+          <p:cNvPr id="1026" name="Title Placeholder 1"/>
           <p:cNvSpPr>
             <a:spLocks noGrp="1"/>
           </p:cNvSpPr>
@@ -2572,7 +2880,7 @@
             <p:ph type="title"/>
           </p:nvPr>
         </p:nvSpPr>
-        <p:spPr>
+        <p:spPr bwMode="auto">
           <a:xfrm>
             <a:off x="457200" y="274638"/>
             <a:ext cx="8229600" cy="1143000"/>
@@ -2580,24 +2888,33 @@
           <a:prstGeom prst="rect">
             <a:avLst/>
           </a:prstGeom>
-        </p:spPr>
-        <p:txBody>
-          <a:bodyPr vert="horz" lIns="91440" tIns="45720" rIns="91440" bIns="45720" rtlCol="0" anchor="ctr">
-            <a:normAutofit/>
+          <a:noFill/>
+          <a:ln w="9525">
+            <a:noFill/>
+            <a:miter lim="800000"/>
+            <a:headEnd/>
+            <a:tailEnd/>
+          </a:ln>
+        </p:spPr>
+        <p:txBody>
+          <a:bodyPr vert="horz" wrap="square" lIns="91440" tIns="45720" rIns="91440" bIns="45720" numCol="1" anchor="ctr" anchorCtr="0" compatLnSpc="1">
+            <a:prstTxWarp prst="textNoShape">
+              <a:avLst/>
+            </a:prstTxWarp>
           </a:bodyPr>
           <a:lstStyle/>
           <a:p>
+            <a:pPr lvl="0"/>
             <a:r>
               <a:rPr lang="en-US" smtClean="0"/>
               <a:t>Click to edit Master title style</a:t>
             </a:r>
-            <a:endParaRPr lang="en-US"/>
-          </a:p>
-        </p:txBody>
-      </p:sp>
-      <p:sp>
-        <p:nvSpPr>
-          <p:cNvPr id="3" name="Text Placeholder 2"/>
+          </a:p>
+        </p:txBody>
+      </p:sp>
+      <p:sp>
+        <p:nvSpPr>
+          <p:cNvPr id="1027" name="Text Placeholder 2"/>
           <p:cNvSpPr>
             <a:spLocks noGrp="1"/>
           </p:cNvSpPr>
@@ -2605,7 +2922,7 @@
             <p:ph type="body" idx="1"/>
           </p:nvPr>
         </p:nvSpPr>
-        <p:spPr>
+        <p:spPr bwMode="auto">
           <a:xfrm>
             <a:off x="457200" y="1600200"/>
             <a:ext cx="8229600" cy="4525963"/>
@@ -2613,10 +2930,19 @@
           <a:prstGeom prst="rect">
             <a:avLst/>
           </a:prstGeom>
-        </p:spPr>
-        <p:txBody>
-          <a:bodyPr vert="horz" lIns="91440" tIns="45720" rIns="91440" bIns="45720" rtlCol="0">
-            <a:normAutofit/>
+          <a:noFill/>
+          <a:ln w="9525">
+            <a:noFill/>
+            <a:miter lim="800000"/>
+            <a:headEnd/>
+            <a:tailEnd/>
+          </a:ln>
+        </p:spPr>
+        <p:txBody>
+          <a:bodyPr vert="horz" wrap="square" lIns="91440" tIns="45720" rIns="91440" bIns="45720" numCol="1" anchor="t" anchorCtr="0" compatLnSpc="1">
+            <a:prstTxWarp prst="textNoShape">
+              <a:avLst/>
+            </a:prstTxWarp>
           </a:bodyPr>
           <a:lstStyle/>
           <a:p>
@@ -2653,7 +2979,6 @@
               <a:rPr lang="en-US" smtClean="0"/>
               <a:t>Fifth level</a:t>
             </a:r>
-            <a:endParaRPr lang="en-US"/>
           </a:p>
         </p:txBody>
       </p:sp>
@@ -2679,40 +3004,101 @@
         <p:txBody>
           <a:bodyPr vert="horz" lIns="91440" tIns="45720" rIns="91440" bIns="45720" rtlCol="0" anchor="ctr"/>
           <a:lstStyle>
-            <a:lvl1pPr algn="l">
+            <a:lvl1pPr algn="l" fontAlgn="auto">
+              <a:spcBef>
+                <a:spcPts val="0"/>
+              </a:spcBef>
+              <a:spcAft>
+                <a:spcPts val="0"/>
+              </a:spcAft>
+              <a:defRPr sz="1200" smtClean="0">
+                <a:solidFill>
+                  <a:schemeClr val="tx1">
+                    <a:tint val="75000"/>
+                  </a:schemeClr>
+                </a:solidFill>
+                <a:latin typeface="+mn-lt"/>
+                <a:cs typeface="+mn-cs"/>
+              </a:defRPr>
+            </a:lvl1pPr>
+          </a:lstStyle>
+          <a:p>
+            <a:pPr>
+              <a:defRPr/>
+            </a:pPr>
+            <a:fld id="{CF5A2A14-D152-4A2F-9788-862BCC3FCF51}" type="datetimeFigureOut">
+              <a:rPr lang="en-US"/>
+              <a:pPr>
+                <a:defRPr/>
+              </a:pPr>
+              <a:t>3/26/2013</a:t>
+            </a:fld>
+            <a:endParaRPr lang="en-US"/>
+          </a:p>
+        </p:txBody>
+      </p:sp>
+      <p:sp>
+        <p:nvSpPr>
+          <p:cNvPr id="5" name="Footer Placeholder 4"/>
+          <p:cNvSpPr>
+            <a:spLocks noGrp="1"/>
+          </p:cNvSpPr>
+          <p:nvPr>
+            <p:ph type="ftr" sz="quarter" idx="3"/>
+          </p:nvPr>
+        </p:nvSpPr>
+        <p:spPr>
+          <a:xfrm>
+            <a:off x="3124200" y="6356350"/>
+            <a:ext cx="2895600" cy="365125"/>
+          </a:xfrm>
+          <a:prstGeom prst="rect">
+            <a:avLst/>
+          </a:prstGeom>
+        </p:spPr>
+        <p:txBody>
+          <a:bodyPr vert="horz" lIns="91440" tIns="45720" rIns="91440" bIns="45720" rtlCol="0" anchor="ctr"/>
+          <a:lstStyle>
+            <a:lvl1pPr algn="ctr" fontAlgn="auto">
+              <a:spcBef>
+                <a:spcPts val="0"/>
+              </a:spcBef>
+              <a:spcAft>
+                <a:spcPts val="0"/>
+              </a:spcAft>
               <a:defRPr sz="1200">
                 <a:solidFill>
                   <a:schemeClr val="tx1">
                     <a:tint val="75000"/>
                   </a:schemeClr>
                 </a:solidFill>
+                <a:latin typeface="+mn-lt"/>
+                <a:cs typeface="+mn-cs"/>
               </a:defRPr>
             </a:lvl1pPr>
           </a:lstStyle>
           <a:p>
-            <a:fld id="{D959F413-3B1F-4EDA-9678-B877E1C4A860}" type="datetimeFigureOut">
-              <a:rPr lang="en-US" smtClean="0"/>
-              <a:pPr/>
-              <a:t>3/5/2013</a:t>
-            </a:fld>
-            <a:endParaRPr lang="en-US"/>
-          </a:p>
-        </p:txBody>
-      </p:sp>
-      <p:sp>
-        <p:nvSpPr>
-          <p:cNvPr id="5" name="Footer Placeholder 4"/>
-          <p:cNvSpPr>
-            <a:spLocks noGrp="1"/>
-          </p:cNvSpPr>
-          <p:nvPr>
-            <p:ph type="ftr" sz="quarter" idx="3"/>
+            <a:pPr>
+              <a:defRPr/>
+            </a:pPr>
+            <a:endParaRPr lang="en-US"/>
+          </a:p>
+        </p:txBody>
+      </p:sp>
+      <p:sp>
+        <p:nvSpPr>
+          <p:cNvPr id="6" name="Slide Number Placeholder 5"/>
+          <p:cNvSpPr>
+            <a:spLocks noGrp="1"/>
+          </p:cNvSpPr>
+          <p:nvPr>
+            <p:ph type="sldNum" sz="quarter" idx="4"/>
           </p:nvPr>
         </p:nvSpPr>
         <p:spPr>
           <a:xfrm>
-            <a:off x="3124200" y="6356350"/>
-            <a:ext cx="2895600" cy="365125"/>
+            <a:off x="6553200" y="6356350"/>
+            <a:ext cx="2133600" cy="365125"/>
           </a:xfrm>
           <a:prstGeom prst="rect">
             <a:avLst/>
@@ -2721,57 +3107,33 @@
         <p:txBody>
           <a:bodyPr vert="horz" lIns="91440" tIns="45720" rIns="91440" bIns="45720" rtlCol="0" anchor="ctr"/>
           <a:lstStyle>
-            <a:lvl1pPr algn="ctr">
-              <a:defRPr sz="1200">
+            <a:lvl1pPr algn="r" fontAlgn="auto">
+              <a:spcBef>
+                <a:spcPts val="0"/>
+              </a:spcBef>
+              <a:spcAft>
+                <a:spcPts val="0"/>
+              </a:spcAft>
+              <a:defRPr sz="1200" smtClean="0">
                 <a:solidFill>
                   <a:schemeClr val="tx1">
                     <a:tint val="75000"/>
                   </a:schemeClr>
                 </a:solidFill>
+                <a:latin typeface="+mn-lt"/>
+                <a:cs typeface="+mn-cs"/>
               </a:defRPr>
             </a:lvl1pPr>
           </a:lstStyle>
           <a:p>
-            <a:endParaRPr lang="en-US"/>
-          </a:p>
-        </p:txBody>
-      </p:sp>
-      <p:sp>
-        <p:nvSpPr>
-          <p:cNvPr id="6" name="Slide Number Placeholder 5"/>
-          <p:cNvSpPr>
-            <a:spLocks noGrp="1"/>
-          </p:cNvSpPr>
-          <p:nvPr>
-            <p:ph type="sldNum" sz="quarter" idx="4"/>
-          </p:nvPr>
-        </p:nvSpPr>
-        <p:spPr>
-          <a:xfrm>
-            <a:off x="6553200" y="6356350"/>
-            <a:ext cx="2133600" cy="365125"/>
-          </a:xfrm>
-          <a:prstGeom prst="rect">
-            <a:avLst/>
-          </a:prstGeom>
-        </p:spPr>
-        <p:txBody>
-          <a:bodyPr vert="horz" lIns="91440" tIns="45720" rIns="91440" bIns="45720" rtlCol="0" anchor="ctr"/>
-          <a:lstStyle>
-            <a:lvl1pPr algn="r">
-              <a:defRPr sz="1200">
-                <a:solidFill>
-                  <a:schemeClr val="tx1">
-                    <a:tint val="75000"/>
-                  </a:schemeClr>
-                </a:solidFill>
-              </a:defRPr>
-            </a:lvl1pPr>
-          </a:lstStyle>
-          <a:p>
-            <a:fld id="{77D5BC96-C262-44A9-A0BB-2BDA2E2D380A}" type="slidenum">
-              <a:rPr lang="en-US" smtClean="0"/>
-              <a:pPr/>
+            <a:pPr>
+              <a:defRPr/>
+            </a:pPr>
+            <a:fld id="{390762E0-8A2C-4A22-AC84-E1F38C12CEBE}" type="slidenum">
+              <a:rPr lang="en-US"/>
+              <a:pPr>
+                <a:defRPr/>
+              </a:pPr>
               <a:t>‹#›</a:t>
             </a:fld>
             <a:endParaRPr lang="en-US"/>
@@ -2796,11 +3158,13 @@
   </p:sldLayoutIdLst>
   <p:txStyles>
     <p:titleStyle>
-      <a:lvl1pPr algn="ctr" defTabSz="914400" rtl="0" eaLnBrk="1" latinLnBrk="0" hangingPunct="1">
+      <a:lvl1pPr algn="ctr" rtl="0" fontAlgn="base">
         <a:spcBef>
           <a:spcPct val="0"/>
         </a:spcBef>
-        <a:buNone/>
+        <a:spcAft>
+          <a:spcPct val="0"/>
+        </a:spcAft>
         <a:defRPr sz="4400" kern="1200">
           <a:solidFill>
             <a:schemeClr val="tx1"/>
@@ -2810,13 +3174,128 @@
           <a:cs typeface="+mj-cs"/>
         </a:defRPr>
       </a:lvl1pPr>
+      <a:lvl2pPr algn="ctr" rtl="0" fontAlgn="base">
+        <a:spcBef>
+          <a:spcPct val="0"/>
+        </a:spcBef>
+        <a:spcAft>
+          <a:spcPct val="0"/>
+        </a:spcAft>
+        <a:defRPr sz="4400">
+          <a:solidFill>
+            <a:schemeClr val="tx1"/>
+          </a:solidFill>
+          <a:latin typeface="Arial" charset="0"/>
+        </a:defRPr>
+      </a:lvl2pPr>
+      <a:lvl3pPr algn="ctr" rtl="0" fontAlgn="base">
+        <a:spcBef>
+          <a:spcPct val="0"/>
+        </a:spcBef>
+        <a:spcAft>
+          <a:spcPct val="0"/>
+        </a:spcAft>
+        <a:defRPr sz="4400">
+          <a:solidFill>
+            <a:schemeClr val="tx1"/>
+          </a:solidFill>
+          <a:latin typeface="Arial" charset="0"/>
+        </a:defRPr>
+      </a:lvl3pPr>
+      <a:lvl4pPr algn="ctr" rtl="0" fontAlgn="base">
+        <a:spcBef>
+          <a:spcPct val="0"/>
+        </a:spcBef>
+        <a:spcAft>
+          <a:spcPct val="0"/>
+        </a:spcAft>
+        <a:defRPr sz="4400">
+          <a:solidFill>
+            <a:schemeClr val="tx1"/>
+          </a:solidFill>
+          <a:latin typeface="Arial" charset="0"/>
+        </a:defRPr>
+      </a:lvl4pPr>
+      <a:lvl5pPr algn="ctr" rtl="0" fontAlgn="base">
+        <a:spcBef>
+          <a:spcPct val="0"/>
+        </a:spcBef>
+        <a:spcAft>
+          <a:spcPct val="0"/>
+        </a:spcAft>
+        <a:defRPr sz="4400">
+          <a:solidFill>
+            <a:schemeClr val="tx1"/>
+          </a:solidFill>
+          <a:latin typeface="Arial" charset="0"/>
+        </a:defRPr>
+      </a:lvl5pPr>
+      <a:lvl6pPr marL="457200" algn="ctr" rtl="0" fontAlgn="base">
+        <a:spcBef>
+          <a:spcPct val="0"/>
+        </a:spcBef>
+        <a:spcAft>
+          <a:spcPct val="0"/>
+        </a:spcAft>
+        <a:defRPr sz="4400">
+          <a:solidFill>
+            <a:schemeClr val="tx1"/>
+          </a:solidFill>
+          <a:latin typeface="Arial" charset="0"/>
+        </a:defRPr>
+      </a:lvl6pPr>
+      <a:lvl7pPr marL="914400" algn="ctr" rtl="0" fontAlgn="base">
+        <a:spcBef>
+          <a:spcPct val="0"/>
+        </a:spcBef>
+        <a:spcAft>
+          <a:spcPct val="0"/>
+        </a:spcAft>
+        <a:defRPr sz="4400">
+          <a:solidFill>
+            <a:schemeClr val="tx1"/>
+          </a:solidFill>
+          <a:latin typeface="Arial" charset="0"/>
+        </a:defRPr>
+      </a:lvl7pPr>
+      <a:lvl8pPr marL="1371600" algn="ctr" rtl="0" fontAlgn="base">
+        <a:spcBef>
+          <a:spcPct val="0"/>
+        </a:spcBef>
+        <a:spcAft>
+          <a:spcPct val="0"/>
+        </a:spcAft>
+        <a:defRPr sz="4400">
+          <a:solidFill>
+            <a:schemeClr val="tx1"/>
+          </a:solidFill>
+          <a:latin typeface="Arial" charset="0"/>
+        </a:defRPr>
+      </a:lvl8pPr>
+      <a:lvl9pPr marL="1828800" algn="ctr" rtl="0" fontAlgn="base">
+        <a:spcBef>
+          <a:spcPct val="0"/>
+        </a:spcBef>
+        <a:spcAft>
+          <a:spcPct val="0"/>
+        </a:spcAft>
+        <a:defRPr sz="4400">
+          <a:solidFill>
+            <a:schemeClr val="tx1"/>
+          </a:solidFill>
+          <a:latin typeface="Arial" charset="0"/>
+        </a:defRPr>
+      </a:lvl9pPr>
     </p:titleStyle>
     <p:bodyStyle>
-      <a:lvl1pPr marL="342900" indent="-342900" algn="l" defTabSz="914400" rtl="0" eaLnBrk="1" latinLnBrk="0" hangingPunct="1">
+      <a:lvl1pPr marL="342900" indent="-342900" algn="l" rtl="0" fontAlgn="base">
         <a:spcBef>
           <a:spcPct val="20000"/>
         </a:spcBef>
-        <a:buFont typeface="Arial" pitchFamily="34" charset="0"/>
+        <a:spcAft>
+          <a:spcPct val="0"/>
+        </a:spcAft>
+        <a:buFont typeface="Arial" charset="0"/>
         <a:buChar char="•"/>
         <a:defRPr sz="3200" kern="1200">
           <a:solidFill>
@@ -2827,11 +3306,14 @@
           <a:cs typeface="+mn-cs"/>
         </a:defRPr>
       </a:lvl1pPr>
-      <a:lvl2pPr marL="742950" indent="-285750" algn="l" defTabSz="914400" rtl="0" eaLnBrk="1" latinLnBrk="0" hangingPunct="1">
+      <a:lvl2pPr marL="742950" indent="-285750" algn="l" rtl="0" fontAlgn="base">
         <a:spcBef>
           <a:spcPct val="20000"/>
         </a:spcBef>
-        <a:buFont typeface="Arial" pitchFamily="34" charset="0"/>
+        <a:spcAft>
+          <a:spcPct val="0"/>
+        </a:spcAft>
+        <a:buFont typeface="Arial" charset="0"/>
         <a:buChar char="–"/>
         <a:defRPr sz="2800" kern="1200">
           <a:solidFill>
@@ -2842,11 +3324,14 @@
           <a:cs typeface="+mn-cs"/>
         </a:defRPr>
       </a:lvl2pPr>
-      <a:lvl3pPr marL="1143000" indent="-228600" algn="l" defTabSz="914400" rtl="0" eaLnBrk="1" latinLnBrk="0" hangingPunct="1">
+      <a:lvl3pPr marL="1143000" indent="-228600" algn="l" rtl="0" fontAlgn="base">
         <a:spcBef>
           <a:spcPct val="20000"/>
         </a:spcBef>
-        <a:buFont typeface="Arial" pitchFamily="34" charset="0"/>
+        <a:spcAft>
+          <a:spcPct val="0"/>
+        </a:spcAft>
+        <a:buFont typeface="Arial" charset="0"/>
         <a:buChar char="•"/>
         <a:defRPr sz="2400" kern="1200">
           <a:solidFill>
@@ -2857,11 +3342,14 @@
           <a:cs typeface="+mn-cs"/>
         </a:defRPr>
       </a:lvl3pPr>
-      <a:lvl4pPr marL="1600200" indent="-228600" algn="l" defTabSz="914400" rtl="0" eaLnBrk="1" latinLnBrk="0" hangingPunct="1">
+      <a:lvl4pPr marL="1600200" indent="-228600" algn="l" rtl="0" fontAlgn="base">
         <a:spcBef>
           <a:spcPct val="20000"/>
         </a:spcBef>
-        <a:buFont typeface="Arial" pitchFamily="34" charset="0"/>
+        <a:spcAft>
+          <a:spcPct val="0"/>
+        </a:spcAft>
+        <a:buFont typeface="Arial" charset="0"/>
         <a:buChar char="–"/>
         <a:defRPr sz="2000" kern="1200">
           <a:solidFill>
@@ -2872,11 +3360,14 @@
           <a:cs typeface="+mn-cs"/>
         </a:defRPr>
       </a:lvl4pPr>
-      <a:lvl5pPr marL="2057400" indent="-228600" algn="l" defTabSz="914400" rtl="0" eaLnBrk="1" latinLnBrk="0" hangingPunct="1">
+      <a:lvl5pPr marL="2057400" indent="-228600" algn="l" rtl="0" fontAlgn="base">
         <a:spcBef>
           <a:spcPct val="20000"/>
         </a:spcBef>
-        <a:buFont typeface="Arial" pitchFamily="34" charset="0"/>
+        <a:spcAft>
+          <a:spcPct val="0"/>
+        </a:spcAft>
+        <a:buFont typeface="Arial" charset="0"/>
         <a:buChar char="»"/>
         <a:defRPr sz="2000" kern="1200">
           <a:solidFill>
@@ -3066,14 +3557,14 @@
       </p:grpSpPr>
       <p:pic>
         <p:nvPicPr>
-          <p:cNvPr id="1026" name="Picture 2"/>
+          <p:cNvPr id="13313" name="Picture 2"/>
           <p:cNvPicPr>
             <a:picLocks noChangeAspect="1" noChangeArrowheads="1"/>
           </p:cNvPicPr>
           <p:nvPr/>
         </p:nvPicPr>
         <p:blipFill>
-          <a:blip r:embed="rId2" cstate="print"/>
+          <a:blip r:embed="rId2"/>
           <a:srcRect/>
           <a:stretch>
             <a:fillRect/>
@@ -3094,19 +3585,18 @@
             <a:headEnd/>
             <a:tailEnd/>
           </a:ln>
-          <a:effectLst/>
         </p:spPr>
       </p:pic>
       <p:pic>
         <p:nvPicPr>
-          <p:cNvPr id="1027" name="Picture 3"/>
+          <p:cNvPr id="13314" name="Picture 3"/>
           <p:cNvPicPr>
             <a:picLocks noChangeAspect="1" noChangeArrowheads="1"/>
           </p:cNvPicPr>
           <p:nvPr/>
         </p:nvPicPr>
         <p:blipFill>
-          <a:blip r:embed="rId3" cstate="print"/>
+          <a:blip r:embed="rId3"/>
           <a:srcRect/>
           <a:stretch>
             <a:fillRect/>
@@ -3127,19 +3617,20 @@
             <a:headEnd/>
             <a:tailEnd/>
           </a:ln>
-          <a:effectLst/>
         </p:spPr>
       </p:pic>
       <p:sp>
         <p:nvSpPr>
-          <p:cNvPr id="6" name="TextBox 5"/>
-          <p:cNvSpPr txBox="1"/>
+          <p:cNvPr id="13315" name="TextBox 5"/>
+          <p:cNvSpPr txBox="1">
+            <a:spLocks noChangeArrowheads="1"/>
+          </p:cNvSpPr>
           <p:nvPr/>
         </p:nvSpPr>
-        <p:spPr>
+        <p:spPr bwMode="auto">
           <a:xfrm>
             <a:off x="3733800" y="152400"/>
-            <a:ext cx="914400" cy="276999"/>
+            <a:ext cx="914400" cy="276225"/>
           </a:xfrm>
           <a:prstGeom prst="rect">
             <a:avLst/>
@@ -3147,24 +3638,27 @@
           <a:solidFill>
             <a:schemeClr val="bg1"/>
           </a:solidFill>
-          <a:ln>
+          <a:ln w="9525">
             <a:solidFill>
               <a:schemeClr val="tx1"/>
             </a:solidFill>
-          </a:ln>
-        </p:spPr>
-        <p:txBody>
-          <a:bodyPr wrap="square" rtlCol="0">
+            <a:miter lim="800000"/>
+            <a:headEnd/>
+            <a:tailEnd/>
+          </a:ln>
+        </p:spPr>
+        <p:txBody>
+          <a:bodyPr>
             <a:spAutoFit/>
           </a:bodyPr>
           <a:lstStyle/>
           <a:p>
             <a:pPr algn="ctr"/>
             <a:r>
-              <a:rPr lang="en-US" sz="1200" dirty="0" smtClean="0"/>
+              <a:rPr lang="en-US" sz="1200"/>
               <a:t>PTO Test</a:t>
             </a:r>
-            <a:endParaRPr lang="en-US" sz="1400" dirty="0"/>
+            <a:endParaRPr lang="en-US" sz="1400"/>
           </a:p>
         </p:txBody>
       </p:sp>
@@ -3172,14 +3666,14 @@
         <p:nvCxnSpPr>
           <p:cNvPr id="8" name="Straight Arrow Connector 7"/>
           <p:cNvCxnSpPr>
-            <a:stCxn id="6" idx="2"/>
+            <a:stCxn id="13315" idx="2"/>
           </p:cNvCxnSpPr>
           <p:nvPr/>
         </p:nvCxnSpPr>
         <p:spPr>
           <a:xfrm rot="5400000">
-            <a:off x="3377002" y="633801"/>
-            <a:ext cx="1018401" cy="609596"/>
+            <a:off x="3376612" y="633413"/>
+            <a:ext cx="1019175" cy="609600"/>
           </a:xfrm>
           <a:prstGeom prst="straightConnector1">
             <a:avLst/>
@@ -3205,14 +3699,16 @@
       </p:cxnSp>
       <p:sp>
         <p:nvSpPr>
-          <p:cNvPr id="10" name="TextBox 9"/>
-          <p:cNvSpPr txBox="1"/>
+          <p:cNvPr id="13317" name="TextBox 9"/>
+          <p:cNvSpPr txBox="1">
+            <a:spLocks noChangeArrowheads="1"/>
+          </p:cNvSpPr>
           <p:nvPr/>
         </p:nvSpPr>
-        <p:spPr>
+        <p:spPr bwMode="auto">
           <a:xfrm>
             <a:off x="3962400" y="2438400"/>
-            <a:ext cx="838200" cy="276999"/>
+            <a:ext cx="838200" cy="276225"/>
           </a:xfrm>
           <a:prstGeom prst="rect">
             <a:avLst/>
@@ -3220,24 +3716,26 @@
           <a:solidFill>
             <a:schemeClr val="bg1"/>
           </a:solidFill>
-          <a:ln>
+          <a:ln w="9525">
             <a:solidFill>
               <a:schemeClr val="tx1"/>
             </a:solidFill>
-          </a:ln>
-        </p:spPr>
-        <p:txBody>
-          <a:bodyPr wrap="square" rtlCol="0">
+            <a:miter lim="800000"/>
+            <a:headEnd/>
+            <a:tailEnd/>
+          </a:ln>
+        </p:spPr>
+        <p:txBody>
+          <a:bodyPr>
             <a:spAutoFit/>
           </a:bodyPr>
           <a:lstStyle/>
           <a:p>
             <a:pPr algn="ctr"/>
             <a:r>
-              <a:rPr lang="en-US" sz="1200" dirty="0" smtClean="0"/>
+              <a:rPr lang="en-US" sz="1200"/>
               <a:t>Climb</a:t>
             </a:r>
-            <a:endParaRPr lang="en-US" sz="1200" dirty="0"/>
           </a:p>
         </p:txBody>
       </p:sp>
@@ -3276,14 +3774,16 @@
       </p:cxnSp>
       <p:sp>
         <p:nvSpPr>
-          <p:cNvPr id="13" name="TextBox 12"/>
-          <p:cNvSpPr txBox="1"/>
+          <p:cNvPr id="13319" name="TextBox 12"/>
+          <p:cNvSpPr txBox="1">
+            <a:spLocks noChangeArrowheads="1"/>
+          </p:cNvSpPr>
           <p:nvPr/>
         </p:nvSpPr>
-        <p:spPr>
+        <p:spPr bwMode="auto">
           <a:xfrm>
             <a:off x="5181600" y="1371600"/>
-            <a:ext cx="1600200" cy="461665"/>
+            <a:ext cx="1600200" cy="461963"/>
           </a:xfrm>
           <a:prstGeom prst="rect">
             <a:avLst/>
@@ -3291,28 +3791,26 @@
           <a:solidFill>
             <a:schemeClr val="bg1"/>
           </a:solidFill>
-          <a:ln>
+          <a:ln w="9525">
             <a:solidFill>
               <a:schemeClr val="tx1"/>
             </a:solidFill>
-          </a:ln>
-        </p:spPr>
-        <p:txBody>
-          <a:bodyPr wrap="square" rtlCol="0">
+            <a:miter lim="800000"/>
+            <a:headEnd/>
+            <a:tailEnd/>
+          </a:ln>
+        </p:spPr>
+        <p:txBody>
+          <a:bodyPr>
             <a:spAutoFit/>
           </a:bodyPr>
           <a:lstStyle/>
           <a:p>
             <a:pPr algn="ctr"/>
             <a:r>
-              <a:rPr lang="en-US" sz="1200" dirty="0" smtClean="0"/>
-              <a:t>Shooter Low </a:t>
-            </a:r>
-            <a:r>
-              <a:rPr lang="en-US" sz="1200" dirty="0" smtClean="0"/>
-              <a:t>Speed (Pyramid Shot)</a:t>
-            </a:r>
-            <a:endParaRPr lang="en-US" sz="1200" dirty="0"/>
+              <a:rPr lang="en-US" sz="1200"/>
+              <a:t>Shooter Low Speed (Pyramid Shot)</a:t>
+            </a:r>
           </a:p>
         </p:txBody>
       </p:sp>
@@ -3320,14 +3818,14 @@
         <p:nvCxnSpPr>
           <p:cNvPr id="15" name="Straight Arrow Connector 14"/>
           <p:cNvCxnSpPr>
-            <a:stCxn id="13" idx="1"/>
+            <a:stCxn id="13319" idx="1"/>
           </p:cNvCxnSpPr>
           <p:nvPr/>
         </p:nvCxnSpPr>
         <p:spPr>
           <a:xfrm rot="10800000">
-            <a:off x="4419600" y="1524013"/>
-            <a:ext cx="762000" cy="78420"/>
+            <a:off x="4419600" y="1524000"/>
+            <a:ext cx="762000" cy="77788"/>
           </a:xfrm>
           <a:prstGeom prst="straightConnector1">
             <a:avLst/>
@@ -3353,14 +3851,16 @@
       </p:cxnSp>
       <p:sp>
         <p:nvSpPr>
-          <p:cNvPr id="16" name="TextBox 15"/>
-          <p:cNvSpPr txBox="1"/>
+          <p:cNvPr id="13321" name="TextBox 15"/>
+          <p:cNvSpPr txBox="1">
+            <a:spLocks noChangeArrowheads="1"/>
+          </p:cNvSpPr>
           <p:nvPr/>
         </p:nvSpPr>
-        <p:spPr>
+        <p:spPr bwMode="auto">
           <a:xfrm>
             <a:off x="5029200" y="609600"/>
-            <a:ext cx="1524000" cy="461665"/>
+            <a:ext cx="1524000" cy="461963"/>
           </a:xfrm>
           <a:prstGeom prst="rect">
             <a:avLst/>
@@ -3368,28 +3868,26 @@
           <a:solidFill>
             <a:schemeClr val="bg1"/>
           </a:solidFill>
-          <a:ln>
+          <a:ln w="9525">
             <a:solidFill>
               <a:schemeClr val="tx1"/>
             </a:solidFill>
-          </a:ln>
-        </p:spPr>
-        <p:txBody>
-          <a:bodyPr wrap="square" rtlCol="0">
+            <a:miter lim="800000"/>
+            <a:headEnd/>
+            <a:tailEnd/>
+          </a:ln>
+        </p:spPr>
+        <p:txBody>
+          <a:bodyPr>
             <a:spAutoFit/>
           </a:bodyPr>
           <a:lstStyle/>
           <a:p>
             <a:pPr algn="ctr"/>
             <a:r>
-              <a:rPr lang="en-US" sz="1200" dirty="0" smtClean="0"/>
-              <a:t>Shooter High </a:t>
-            </a:r>
-            <a:r>
-              <a:rPr lang="en-US" sz="1200" dirty="0" smtClean="0"/>
-              <a:t>Speed (Long Shot)</a:t>
-            </a:r>
-            <a:endParaRPr lang="en-US" sz="1200" dirty="0"/>
+              <a:rPr lang="en-US" sz="1200"/>
+              <a:t>Shooter High Speed (Long Shot)</a:t>
+            </a:r>
           </a:p>
         </p:txBody>
       </p:sp>
@@ -3402,7 +3900,7 @@
         <p:spPr>
           <a:xfrm flipH="1">
             <a:off x="3962400" y="838200"/>
-            <a:ext cx="1143000" cy="286434"/>
+            <a:ext cx="1143000" cy="285750"/>
           </a:xfrm>
           <a:prstGeom prst="straightConnector1">
             <a:avLst/>
@@ -3428,14 +3926,16 @@
       </p:cxnSp>
       <p:sp>
         <p:nvSpPr>
-          <p:cNvPr id="20" name="TextBox 19"/>
-          <p:cNvSpPr txBox="1"/>
+          <p:cNvPr id="13323" name="TextBox 19"/>
+          <p:cNvSpPr txBox="1">
+            <a:spLocks noChangeArrowheads="1"/>
+          </p:cNvSpPr>
           <p:nvPr/>
         </p:nvSpPr>
-        <p:spPr>
+        <p:spPr bwMode="auto">
           <a:xfrm>
             <a:off x="5181600" y="2971800"/>
-            <a:ext cx="762000" cy="276999"/>
+            <a:ext cx="762000" cy="276225"/>
           </a:xfrm>
           <a:prstGeom prst="rect">
             <a:avLst/>
@@ -3443,60 +3943,66 @@
           <a:solidFill>
             <a:schemeClr val="bg1"/>
           </a:solidFill>
-          <a:ln>
+          <a:ln w="9525">
             <a:solidFill>
               <a:schemeClr val="tx1"/>
             </a:solidFill>
-          </a:ln>
-        </p:spPr>
-        <p:txBody>
-          <a:bodyPr wrap="square" rtlCol="0">
+            <a:miter lim="800000"/>
+            <a:headEnd/>
+            <a:tailEnd/>
+          </a:ln>
+        </p:spPr>
+        <p:txBody>
+          <a:bodyPr>
             <a:spAutoFit/>
           </a:bodyPr>
           <a:lstStyle/>
           <a:p>
             <a:pPr algn="ctr"/>
             <a:r>
-              <a:rPr lang="en-US" sz="1200" dirty="0" smtClean="0"/>
+              <a:rPr lang="en-US" sz="1200"/>
               <a:t>Shoot</a:t>
             </a:r>
-            <a:endParaRPr lang="en-US" sz="1200" dirty="0"/>
-          </a:p>
-        </p:txBody>
-      </p:sp>
-      <p:sp>
-        <p:nvSpPr>
-          <p:cNvPr id="21" name="TextBox 20"/>
-          <p:cNvSpPr txBox="1"/>
+          </a:p>
+        </p:txBody>
+      </p:sp>
+      <p:sp>
+        <p:nvSpPr>
+          <p:cNvPr id="13324" name="TextBox 20"/>
+          <p:cNvSpPr txBox="1">
+            <a:spLocks noChangeArrowheads="1"/>
+          </p:cNvSpPr>
           <p:nvPr/>
         </p:nvSpPr>
-        <p:spPr>
+        <p:spPr bwMode="auto">
           <a:xfrm>
-            <a:off x="3352800" y="4495801"/>
-            <a:ext cx="1143000" cy="276999"/>
+            <a:off x="3352800" y="4495800"/>
+            <a:ext cx="1143000" cy="276225"/>
           </a:xfrm>
           <a:prstGeom prst="rect">
             <a:avLst/>
           </a:prstGeom>
           <a:noFill/>
-          <a:ln>
+          <a:ln w="9525">
             <a:solidFill>
               <a:schemeClr val="tx1"/>
             </a:solidFill>
-          </a:ln>
-        </p:spPr>
-        <p:txBody>
-          <a:bodyPr wrap="square" rtlCol="0">
+            <a:miter lim="800000"/>
+            <a:headEnd/>
+            <a:tailEnd/>
+          </a:ln>
+        </p:spPr>
+        <p:txBody>
+          <a:bodyPr>
             <a:spAutoFit/>
           </a:bodyPr>
           <a:lstStyle/>
           <a:p>
             <a:pPr algn="ctr"/>
             <a:r>
-              <a:rPr lang="en-US" sz="1200" dirty="0" smtClean="0"/>
+              <a:rPr lang="en-US" sz="1200"/>
               <a:t>Shooter Test</a:t>
             </a:r>
-            <a:endParaRPr lang="en-US" sz="1200" dirty="0"/>
           </a:p>
         </p:txBody>
       </p:sp>
@@ -3504,14 +4010,14 @@
         <p:nvCxnSpPr>
           <p:cNvPr id="23" name="Straight Arrow Connector 22"/>
           <p:cNvCxnSpPr>
-            <a:stCxn id="20" idx="2"/>
+            <a:stCxn id="13323" idx="2"/>
           </p:cNvCxnSpPr>
           <p:nvPr/>
         </p:nvCxnSpPr>
         <p:spPr>
           <a:xfrm flipH="1">
-            <a:off x="5334002" y="3248799"/>
-            <a:ext cx="228598" cy="572869"/>
+            <a:off x="5334000" y="3248025"/>
+            <a:ext cx="228600" cy="573088"/>
           </a:xfrm>
           <a:prstGeom prst="straightConnector1">
             <a:avLst/>
@@ -3539,14 +4045,14 @@
         <p:nvCxnSpPr>
           <p:cNvPr id="25" name="Straight Arrow Connector 24"/>
           <p:cNvCxnSpPr>
-            <a:stCxn id="21" idx="3"/>
+            <a:stCxn id="13324" idx="3"/>
           </p:cNvCxnSpPr>
           <p:nvPr/>
         </p:nvCxnSpPr>
         <p:spPr>
           <a:xfrm flipV="1">
-            <a:off x="4495800" y="4419603"/>
-            <a:ext cx="762000" cy="214698"/>
+            <a:off x="4495800" y="4419600"/>
+            <a:ext cx="762000" cy="214313"/>
           </a:xfrm>
           <a:prstGeom prst="straightConnector1">
             <a:avLst/>
@@ -3572,14 +4078,16 @@
       </p:cxnSp>
       <p:sp>
         <p:nvSpPr>
-          <p:cNvPr id="31" name="TextBox 30"/>
-          <p:cNvSpPr txBox="1"/>
+          <p:cNvPr id="13327" name="TextBox 30"/>
+          <p:cNvSpPr txBox="1">
+            <a:spLocks noChangeArrowheads="1"/>
+          </p:cNvSpPr>
           <p:nvPr/>
         </p:nvSpPr>
-        <p:spPr>
+        <p:spPr bwMode="auto">
           <a:xfrm>
-            <a:off x="2590800" y="3048001"/>
-            <a:ext cx="1447800" cy="276999"/>
+            <a:off x="2590800" y="3048000"/>
+            <a:ext cx="1447800" cy="276225"/>
           </a:xfrm>
           <a:prstGeom prst="rect">
             <a:avLst/>
@@ -3587,20 +4095,23 @@
           <a:solidFill>
             <a:schemeClr val="bg1"/>
           </a:solidFill>
-          <a:ln>
+          <a:ln w="9525">
             <a:solidFill>
               <a:schemeClr val="tx1"/>
             </a:solidFill>
-          </a:ln>
-        </p:spPr>
-        <p:txBody>
-          <a:bodyPr wrap="square" rtlCol="0">
+            <a:miter lim="800000"/>
+            <a:headEnd/>
+            <a:tailEnd/>
+          </a:ln>
+        </p:spPr>
+        <p:txBody>
+          <a:bodyPr>
             <a:spAutoFit/>
           </a:bodyPr>
           <a:lstStyle/>
           <a:p>
             <a:pPr algn="ctr"/>
-            <a:endParaRPr lang="en-US" sz="1200" dirty="0"/>
+            <a:endParaRPr lang="en-US" sz="1200"/>
           </a:p>
         </p:txBody>
       </p:sp>
@@ -3608,13 +4119,13 @@
         <p:nvCxnSpPr>
           <p:cNvPr id="32" name="Straight Arrow Connector 31"/>
           <p:cNvCxnSpPr>
-            <a:stCxn id="31" idx="0"/>
+            <a:stCxn id="13327" idx="0"/>
           </p:cNvCxnSpPr>
           <p:nvPr/>
         </p:nvCxnSpPr>
         <p:spPr>
           <a:xfrm flipV="1">
-            <a:off x="3314700" y="2286001"/>
+            <a:off x="3314700" y="2286000"/>
             <a:ext cx="38100" cy="762000"/>
           </a:xfrm>
           <a:prstGeom prst="straightConnector1">
@@ -3641,14 +4152,16 @@
       </p:cxnSp>
       <p:sp>
         <p:nvSpPr>
-          <p:cNvPr id="35" name="TextBox 34"/>
-          <p:cNvSpPr txBox="1"/>
+          <p:cNvPr id="13329" name="TextBox 34"/>
+          <p:cNvSpPr txBox="1">
+            <a:spLocks noChangeArrowheads="1"/>
+          </p:cNvSpPr>
           <p:nvPr/>
         </p:nvSpPr>
-        <p:spPr>
+        <p:spPr bwMode="auto">
           <a:xfrm>
-            <a:off x="5029200" y="5791201"/>
-            <a:ext cx="990600" cy="276999"/>
+            <a:off x="5029200" y="5791200"/>
+            <a:ext cx="990600" cy="284163"/>
           </a:xfrm>
           <a:prstGeom prst="rect">
             <a:avLst/>
@@ -3656,20 +4169,26 @@
           <a:solidFill>
             <a:schemeClr val="bg1"/>
           </a:solidFill>
-          <a:ln>
+          <a:ln w="9525">
             <a:solidFill>
               <a:schemeClr val="tx1"/>
             </a:solidFill>
-          </a:ln>
-        </p:spPr>
-        <p:txBody>
-          <a:bodyPr wrap="square" rtlCol="0">
+            <a:miter lim="800000"/>
+            <a:headEnd/>
+            <a:tailEnd/>
+          </a:ln>
+        </p:spPr>
+        <p:txBody>
+          <a:bodyPr>
             <a:spAutoFit/>
           </a:bodyPr>
           <a:lstStyle/>
           <a:p>
             <a:pPr algn="ctr"/>
-            <a:endParaRPr lang="en-US" sz="1200" dirty="0"/>
+            <a:r>
+              <a:rPr lang="en-US" sz="1200"/>
+              <a:t>Stiff Arm</a:t>
+            </a:r>
           </a:p>
         </p:txBody>
       </p:sp>
@@ -3677,14 +4196,14 @@
         <p:nvCxnSpPr>
           <p:cNvPr id="36" name="Straight Arrow Connector 35"/>
           <p:cNvCxnSpPr>
-            <a:stCxn id="35" idx="3"/>
+            <a:stCxn id="13329" idx="3"/>
           </p:cNvCxnSpPr>
           <p:nvPr/>
         </p:nvCxnSpPr>
         <p:spPr>
           <a:xfrm flipV="1">
-            <a:off x="6019800" y="5715003"/>
-            <a:ext cx="1131173" cy="214698"/>
+            <a:off x="6019800" y="5719763"/>
+            <a:ext cx="1131888" cy="214312"/>
           </a:xfrm>
           <a:prstGeom prst="straightConnector1">
             <a:avLst/>
@@ -3710,14 +4229,16 @@
       </p:cxnSp>
       <p:sp>
         <p:nvSpPr>
-          <p:cNvPr id="39" name="TextBox 38"/>
-          <p:cNvSpPr txBox="1"/>
+          <p:cNvPr id="13331" name="TextBox 38"/>
+          <p:cNvSpPr txBox="1">
+            <a:spLocks noChangeArrowheads="1"/>
+          </p:cNvSpPr>
           <p:nvPr/>
         </p:nvSpPr>
-        <p:spPr>
+        <p:spPr bwMode="auto">
           <a:xfrm>
             <a:off x="990600" y="3048000"/>
-            <a:ext cx="1295400" cy="276999"/>
+            <a:ext cx="1295400" cy="276225"/>
           </a:xfrm>
           <a:prstGeom prst="rect">
             <a:avLst/>
@@ -3725,24 +4246,26 @@
           <a:solidFill>
             <a:schemeClr val="bg1"/>
           </a:solidFill>
-          <a:ln>
+          <a:ln w="9525">
             <a:solidFill>
               <a:schemeClr val="tx1"/>
             </a:solidFill>
-          </a:ln>
-        </p:spPr>
-        <p:txBody>
-          <a:bodyPr wrap="square" rtlCol="0">
+            <a:miter lim="800000"/>
+            <a:headEnd/>
+            <a:tailEnd/>
+          </a:ln>
+        </p:spPr>
+        <p:txBody>
+          <a:bodyPr>
             <a:spAutoFit/>
           </a:bodyPr>
           <a:lstStyle/>
           <a:p>
             <a:pPr algn="ctr"/>
             <a:r>
-              <a:rPr lang="en-US" sz="1200" dirty="0" smtClean="0"/>
+              <a:rPr lang="en-US" sz="1200"/>
               <a:t>Climber Test</a:t>
             </a:r>
-            <a:endParaRPr lang="en-US" sz="1200" dirty="0"/>
           </a:p>
         </p:txBody>
       </p:sp>
@@ -3754,8 +4277,8 @@
         </p:nvCxnSpPr>
         <p:spPr>
           <a:xfrm rot="5400000" flipH="1" flipV="1">
-            <a:off x="1409702" y="2628900"/>
-            <a:ext cx="685799" cy="152401"/>
+            <a:off x="1409700" y="2628900"/>
+            <a:ext cx="685800" cy="152400"/>
           </a:xfrm>
           <a:prstGeom prst="straightConnector1">
             <a:avLst/>
@@ -3781,14 +4304,16 @@
       </p:cxnSp>
       <p:sp>
         <p:nvSpPr>
-          <p:cNvPr id="24" name="TextBox 23"/>
-          <p:cNvSpPr txBox="1"/>
+          <p:cNvPr id="13333" name="TextBox 23"/>
+          <p:cNvSpPr txBox="1">
+            <a:spLocks noChangeArrowheads="1"/>
+          </p:cNvSpPr>
           <p:nvPr/>
         </p:nvSpPr>
-        <p:spPr>
+        <p:spPr bwMode="auto">
           <a:xfrm>
             <a:off x="228600" y="152400"/>
-            <a:ext cx="1371600" cy="276999"/>
+            <a:ext cx="1371600" cy="276225"/>
           </a:xfrm>
           <a:prstGeom prst="rect">
             <a:avLst/>
@@ -3796,21 +4321,24 @@
           <a:solidFill>
             <a:schemeClr val="bg1"/>
           </a:solidFill>
-          <a:ln>
+          <a:ln w="9525">
             <a:solidFill>
               <a:schemeClr val="tx1"/>
             </a:solidFill>
-          </a:ln>
-        </p:spPr>
-        <p:txBody>
-          <a:bodyPr wrap="square" rtlCol="0">
+            <a:miter lim="800000"/>
+            <a:headEnd/>
+            <a:tailEnd/>
+          </a:ln>
+        </p:spPr>
+        <p:txBody>
+          <a:bodyPr>
             <a:spAutoFit/>
           </a:bodyPr>
           <a:lstStyle/>
           <a:p>
             <a:pPr algn="ctr"/>
             <a:r>
-              <a:rPr lang="en-US" sz="1200" dirty="0" smtClean="0"/>
+              <a:rPr lang="en-US" sz="1200"/>
               <a:t>Shooter Up</a:t>
             </a:r>
           </a:p>
@@ -3818,14 +4346,16 @@
       </p:sp>
       <p:sp>
         <p:nvSpPr>
-          <p:cNvPr id="26" name="TextBox 25"/>
-          <p:cNvSpPr txBox="1"/>
+          <p:cNvPr id="13334" name="TextBox 25"/>
+          <p:cNvSpPr txBox="1">
+            <a:spLocks noChangeArrowheads="1"/>
+          </p:cNvSpPr>
           <p:nvPr/>
         </p:nvSpPr>
-        <p:spPr>
+        <p:spPr bwMode="auto">
           <a:xfrm>
             <a:off x="228600" y="2286000"/>
-            <a:ext cx="1219199" cy="276999"/>
+            <a:ext cx="1219200" cy="276225"/>
           </a:xfrm>
           <a:prstGeom prst="rect">
             <a:avLst/>
@@ -3833,21 +4363,24 @@
           <a:solidFill>
             <a:schemeClr val="bg1"/>
           </a:solidFill>
-          <a:ln>
+          <a:ln w="9525">
             <a:solidFill>
               <a:schemeClr val="tx1"/>
             </a:solidFill>
-          </a:ln>
-        </p:spPr>
-        <p:txBody>
-          <a:bodyPr wrap="square" rtlCol="0">
+            <a:miter lim="800000"/>
+            <a:headEnd/>
+            <a:tailEnd/>
+          </a:ln>
+        </p:spPr>
+        <p:txBody>
+          <a:bodyPr>
             <a:spAutoFit/>
           </a:bodyPr>
           <a:lstStyle/>
           <a:p>
             <a:pPr algn="ctr"/>
             <a:r>
-              <a:rPr lang="en-US" sz="1200" dirty="0" smtClean="0"/>
+              <a:rPr lang="en-US" sz="1200"/>
               <a:t>Shooter Down</a:t>
             </a:r>
           </a:p>
@@ -3857,14 +4390,14 @@
         <p:nvCxnSpPr>
           <p:cNvPr id="29" name="Straight Arrow Connector 28"/>
           <p:cNvCxnSpPr>
-            <a:stCxn id="24" idx="2"/>
+            <a:stCxn id="13333" idx="2"/>
           </p:cNvCxnSpPr>
           <p:nvPr/>
         </p:nvCxnSpPr>
         <p:spPr>
           <a:xfrm>
-            <a:off x="914400" y="429399"/>
-            <a:ext cx="228600" cy="713601"/>
+            <a:off x="914400" y="428625"/>
+            <a:ext cx="228600" cy="714375"/>
           </a:xfrm>
           <a:prstGeom prst="straightConnector1">
             <a:avLst/>
@@ -3892,7 +4425,7 @@
         <p:nvCxnSpPr>
           <p:cNvPr id="34" name="Straight Arrow Connector 33"/>
           <p:cNvCxnSpPr>
-            <a:stCxn id="26" idx="0"/>
+            <a:stCxn id="13334" idx="0"/>
           </p:cNvCxnSpPr>
           <p:nvPr/>
         </p:nvCxnSpPr>
@@ -3925,14 +4458,16 @@
       </p:cxnSp>
       <p:sp>
         <p:nvSpPr>
-          <p:cNvPr id="38" name="TextBox 37"/>
-          <p:cNvSpPr txBox="1"/>
+          <p:cNvPr id="13337" name="TextBox 37"/>
+          <p:cNvSpPr txBox="1">
+            <a:spLocks noChangeArrowheads="1"/>
+          </p:cNvSpPr>
           <p:nvPr/>
         </p:nvSpPr>
-        <p:spPr>
+        <p:spPr bwMode="auto">
           <a:xfrm>
             <a:off x="7772400" y="3581400"/>
-            <a:ext cx="762000" cy="461665"/>
+            <a:ext cx="762000" cy="461963"/>
           </a:xfrm>
           <a:prstGeom prst="rect">
             <a:avLst/>
@@ -3940,24 +4475,26 @@
           <a:solidFill>
             <a:schemeClr val="bg1"/>
           </a:solidFill>
-          <a:ln>
+          <a:ln w="9525">
             <a:solidFill>
               <a:schemeClr val="tx1"/>
             </a:solidFill>
-          </a:ln>
-        </p:spPr>
-        <p:txBody>
-          <a:bodyPr wrap="square" rtlCol="0">
+            <a:miter lim="800000"/>
+            <a:headEnd/>
+            <a:tailEnd/>
+          </a:ln>
+        </p:spPr>
+        <p:txBody>
+          <a:bodyPr>
             <a:spAutoFit/>
           </a:bodyPr>
           <a:lstStyle/>
           <a:p>
             <a:pPr algn="ctr"/>
             <a:r>
-              <a:rPr lang="en-US" sz="1200" dirty="0" smtClean="0"/>
+              <a:rPr lang="en-US" sz="1200"/>
               <a:t>Climber Deploy</a:t>
             </a:r>
-            <a:endParaRPr lang="en-US" sz="1200" dirty="0"/>
           </a:p>
         </p:txBody>
       </p:sp>
@@ -3965,14 +4502,14 @@
         <p:nvCxnSpPr>
           <p:cNvPr id="41" name="Straight Arrow Connector 40"/>
           <p:cNvCxnSpPr>
-            <a:stCxn id="38" idx="2"/>
+            <a:stCxn id="13337" idx="2"/>
           </p:cNvCxnSpPr>
           <p:nvPr/>
         </p:nvCxnSpPr>
         <p:spPr>
           <a:xfrm rot="5400000">
-            <a:off x="7368066" y="4218801"/>
-            <a:ext cx="961071" cy="609598"/>
+            <a:off x="7368381" y="4218782"/>
+            <a:ext cx="960437" cy="609600"/>
           </a:xfrm>
           <a:prstGeom prst="straightConnector1">
             <a:avLst/>
@@ -3998,14 +4535,16 @@
       </p:cxnSp>
       <p:sp>
         <p:nvSpPr>
-          <p:cNvPr id="52" name="TextBox 51"/>
-          <p:cNvSpPr txBox="1"/>
+          <p:cNvPr id="13339" name="TextBox 51"/>
+          <p:cNvSpPr txBox="1">
+            <a:spLocks noChangeArrowheads="1"/>
+          </p:cNvSpPr>
           <p:nvPr/>
         </p:nvSpPr>
-        <p:spPr>
+        <p:spPr bwMode="auto">
           <a:xfrm>
-            <a:off x="1752600" y="1475601"/>
-            <a:ext cx="990600" cy="276999"/>
+            <a:off x="1752600" y="1476375"/>
+            <a:ext cx="990600" cy="276225"/>
           </a:xfrm>
           <a:prstGeom prst="rect">
             <a:avLst/>
@@ -4013,20 +4552,23 @@
           <a:solidFill>
             <a:schemeClr val="bg1"/>
           </a:solidFill>
-          <a:ln>
+          <a:ln w="9525">
             <a:solidFill>
               <a:schemeClr val="tx1"/>
             </a:solidFill>
-          </a:ln>
-        </p:spPr>
-        <p:txBody>
-          <a:bodyPr wrap="square" rtlCol="0">
+            <a:miter lim="800000"/>
+            <a:headEnd/>
+            <a:tailEnd/>
+          </a:ln>
+        </p:spPr>
+        <p:txBody>
+          <a:bodyPr>
             <a:spAutoFit/>
           </a:bodyPr>
           <a:lstStyle/>
           <a:p>
             <a:pPr algn="ctr"/>
-            <a:endParaRPr lang="en-US" sz="1200" dirty="0"/>
+            <a:endParaRPr lang="en-US" sz="1200"/>
           </a:p>
         </p:txBody>
       </p:sp>
@@ -4034,14 +4576,14 @@
         <p:nvCxnSpPr>
           <p:cNvPr id="53" name="Straight Arrow Connector 52"/>
           <p:cNvCxnSpPr>
-            <a:stCxn id="52" idx="1"/>
+            <a:stCxn id="13339" idx="1"/>
           </p:cNvCxnSpPr>
           <p:nvPr/>
         </p:nvCxnSpPr>
         <p:spPr>
           <a:xfrm flipH="1" flipV="1">
-            <a:off x="1524000" y="1461700"/>
-            <a:ext cx="228600" cy="152401"/>
+            <a:off x="1524000" y="1462088"/>
+            <a:ext cx="228600" cy="152400"/>
           </a:xfrm>
           <a:prstGeom prst="straightConnector1">
             <a:avLst/>
@@ -4067,14 +4609,16 @@
       </p:cxnSp>
       <p:sp>
         <p:nvSpPr>
-          <p:cNvPr id="57" name="TextBox 56"/>
-          <p:cNvSpPr txBox="1"/>
+          <p:cNvPr id="13341" name="TextBox 56"/>
+          <p:cNvSpPr txBox="1">
+            <a:spLocks noChangeArrowheads="1"/>
+          </p:cNvSpPr>
           <p:nvPr/>
         </p:nvSpPr>
-        <p:spPr>
+        <p:spPr bwMode="auto">
           <a:xfrm>
             <a:off x="0" y="838200"/>
-            <a:ext cx="914400" cy="276999"/>
+            <a:ext cx="914400" cy="276225"/>
           </a:xfrm>
           <a:prstGeom prst="rect">
             <a:avLst/>
@@ -4082,20 +4626,23 @@
           <a:solidFill>
             <a:schemeClr val="bg1"/>
           </a:solidFill>
-          <a:ln>
+          <a:ln w="9525">
             <a:solidFill>
               <a:schemeClr val="tx1"/>
             </a:solidFill>
-          </a:ln>
-        </p:spPr>
-        <p:txBody>
-          <a:bodyPr wrap="square" rtlCol="0">
+            <a:miter lim="800000"/>
+            <a:headEnd/>
+            <a:tailEnd/>
+          </a:ln>
+        </p:spPr>
+        <p:txBody>
+          <a:bodyPr>
             <a:spAutoFit/>
           </a:bodyPr>
           <a:lstStyle/>
           <a:p>
             <a:pPr algn="ctr"/>
-            <a:endParaRPr lang="en-US" sz="1200" dirty="0"/>
+            <a:endParaRPr lang="en-US" sz="1200"/>
           </a:p>
         </p:txBody>
       </p:sp>
@@ -4134,14 +4681,16 @@
       </p:cxnSp>
       <p:sp>
         <p:nvSpPr>
-          <p:cNvPr id="33" name="TextBox 32"/>
-          <p:cNvSpPr txBox="1"/>
+          <p:cNvPr id="13343" name="TextBox 32"/>
+          <p:cNvSpPr txBox="1">
+            <a:spLocks noChangeArrowheads="1"/>
+          </p:cNvSpPr>
           <p:nvPr/>
         </p:nvSpPr>
-        <p:spPr>
+        <p:spPr bwMode="auto">
           <a:xfrm>
             <a:off x="2667000" y="228600"/>
-            <a:ext cx="990600" cy="461665"/>
+            <a:ext cx="990600" cy="461963"/>
           </a:xfrm>
           <a:prstGeom prst="rect">
             <a:avLst/>
@@ -4149,24 +4698,26 @@
           <a:solidFill>
             <a:schemeClr val="bg1"/>
           </a:solidFill>
-          <a:ln>
+          <a:ln w="9525">
             <a:solidFill>
               <a:schemeClr val="tx1"/>
             </a:solidFill>
-          </a:ln>
-        </p:spPr>
-        <p:txBody>
-          <a:bodyPr wrap="square" rtlCol="0">
+            <a:miter lim="800000"/>
+            <a:headEnd/>
+            <a:tailEnd/>
+          </a:ln>
+        </p:spPr>
+        <p:txBody>
+          <a:bodyPr>
             <a:spAutoFit/>
           </a:bodyPr>
           <a:lstStyle/>
           <a:p>
             <a:pPr algn="ctr"/>
             <a:r>
-              <a:rPr lang="en-US" sz="1200" dirty="0" smtClean="0"/>
+              <a:rPr lang="en-US" sz="1200"/>
               <a:t>Shooter Feed Test</a:t>
             </a:r>
-            <a:endParaRPr lang="en-US" sz="1200" dirty="0"/>
           </a:p>
         </p:txBody>
       </p:sp>
@@ -4174,14 +4725,14 @@
         <p:nvCxnSpPr>
           <p:cNvPr id="37" name="Straight Arrow Connector 36"/>
           <p:cNvCxnSpPr>
-            <a:stCxn id="33" idx="2"/>
+            <a:stCxn id="13343" idx="2"/>
           </p:cNvCxnSpPr>
           <p:nvPr/>
         </p:nvCxnSpPr>
         <p:spPr>
           <a:xfrm rot="5400000">
-            <a:off x="2878783" y="859482"/>
-            <a:ext cx="452735" cy="114300"/>
+            <a:off x="2878931" y="859632"/>
+            <a:ext cx="452437" cy="114300"/>
           </a:xfrm>
           <a:prstGeom prst="straightConnector1">
             <a:avLst/>
@@ -4207,14 +4758,16 @@
       </p:cxnSp>
       <p:sp>
         <p:nvSpPr>
-          <p:cNvPr id="63" name="TextBox 62"/>
-          <p:cNvSpPr txBox="1"/>
+          <p:cNvPr id="13345" name="TextBox 62"/>
+          <p:cNvSpPr txBox="1">
+            <a:spLocks noChangeArrowheads="1"/>
+          </p:cNvSpPr>
           <p:nvPr/>
         </p:nvSpPr>
-        <p:spPr>
+        <p:spPr bwMode="auto">
           <a:xfrm>
             <a:off x="1676400" y="304800"/>
-            <a:ext cx="762000" cy="461665"/>
+            <a:ext cx="762000" cy="461963"/>
           </a:xfrm>
           <a:prstGeom prst="rect">
             <a:avLst/>
@@ -4222,24 +4775,26 @@
           <a:solidFill>
             <a:schemeClr val="bg1"/>
           </a:solidFill>
-          <a:ln>
+          <a:ln w="9525">
             <a:solidFill>
               <a:schemeClr val="tx1"/>
             </a:solidFill>
-          </a:ln>
-        </p:spPr>
-        <p:txBody>
-          <a:bodyPr wrap="square" rtlCol="0">
+            <a:miter lim="800000"/>
+            <a:headEnd/>
+            <a:tailEnd/>
+          </a:ln>
+        </p:spPr>
+        <p:txBody>
+          <a:bodyPr>
             <a:spAutoFit/>
           </a:bodyPr>
           <a:lstStyle/>
           <a:p>
             <a:pPr algn="ctr"/>
             <a:r>
-              <a:rPr lang="en-US" sz="1200" dirty="0" smtClean="0"/>
+              <a:rPr lang="en-US" sz="1200"/>
               <a:t>Shooter Off</a:t>
             </a:r>
-            <a:endParaRPr lang="en-US" sz="1200" dirty="0"/>
           </a:p>
         </p:txBody>
       </p:sp>
@@ -4247,14 +4802,14 @@
         <p:nvCxnSpPr>
           <p:cNvPr id="65" name="Straight Arrow Connector 64"/>
           <p:cNvCxnSpPr>
-            <a:stCxn id="63" idx="2"/>
+            <a:stCxn id="13345" idx="2"/>
           </p:cNvCxnSpPr>
           <p:nvPr/>
         </p:nvCxnSpPr>
         <p:spPr>
           <a:xfrm rot="16200000" flipH="1">
-            <a:off x="1907233" y="916631"/>
-            <a:ext cx="376534" cy="76201"/>
+            <a:off x="1907381" y="916782"/>
+            <a:ext cx="376237" cy="76200"/>
           </a:xfrm>
           <a:prstGeom prst="straightConnector1">
             <a:avLst/>
@@ -4305,14 +4860,14 @@
       </p:grpSpPr>
       <p:pic>
         <p:nvPicPr>
-          <p:cNvPr id="1026" name="Picture 2"/>
+          <p:cNvPr id="14337" name="Picture 2"/>
           <p:cNvPicPr>
             <a:picLocks noChangeAspect="1" noChangeArrowheads="1"/>
           </p:cNvPicPr>
           <p:nvPr/>
         </p:nvPicPr>
         <p:blipFill>
-          <a:blip r:embed="rId2" cstate="print"/>
+          <a:blip r:embed="rId2"/>
           <a:srcRect/>
           <a:stretch>
             <a:fillRect/>
@@ -4333,19 +4888,18 @@
             <a:headEnd/>
             <a:tailEnd/>
           </a:ln>
-          <a:effectLst/>
         </p:spPr>
       </p:pic>
       <p:pic>
         <p:nvPicPr>
-          <p:cNvPr id="1027" name="Picture 3"/>
+          <p:cNvPr id="14338" name="Picture 3"/>
           <p:cNvPicPr>
             <a:picLocks noChangeAspect="1" noChangeArrowheads="1"/>
           </p:cNvPicPr>
           <p:nvPr/>
         </p:nvPicPr>
         <p:blipFill>
-          <a:blip r:embed="rId3" cstate="print"/>
+          <a:blip r:embed="rId3"/>
           <a:srcRect/>
           <a:stretch>
             <a:fillRect/>
@@ -4366,19 +4920,20 @@
             <a:headEnd/>
             <a:tailEnd/>
           </a:ln>
-          <a:effectLst/>
         </p:spPr>
       </p:pic>
       <p:sp>
         <p:nvSpPr>
-          <p:cNvPr id="6" name="TextBox 5"/>
-          <p:cNvSpPr txBox="1"/>
+          <p:cNvPr id="14339" name="TextBox 5"/>
+          <p:cNvSpPr txBox="1">
+            <a:spLocks noChangeArrowheads="1"/>
+          </p:cNvSpPr>
           <p:nvPr/>
         </p:nvSpPr>
-        <p:spPr>
+        <p:spPr bwMode="auto">
           <a:xfrm>
             <a:off x="3581400" y="228600"/>
-            <a:ext cx="914400" cy="369332"/>
+            <a:ext cx="914400" cy="369888"/>
           </a:xfrm>
           <a:prstGeom prst="rect">
             <a:avLst/>
@@ -4386,19 +4941,22 @@
           <a:solidFill>
             <a:schemeClr val="bg1"/>
           </a:solidFill>
-          <a:ln>
+          <a:ln w="9525">
             <a:solidFill>
               <a:schemeClr val="tx1"/>
             </a:solidFill>
-          </a:ln>
-        </p:spPr>
-        <p:txBody>
-          <a:bodyPr wrap="square" rtlCol="0">
+            <a:miter lim="800000"/>
+            <a:headEnd/>
+            <a:tailEnd/>
+          </a:ln>
+        </p:spPr>
+        <p:txBody>
+          <a:bodyPr>
             <a:spAutoFit/>
           </a:bodyPr>
           <a:lstStyle/>
           <a:p>
-            <a:endParaRPr lang="en-US" dirty="0"/>
+            <a:endParaRPr lang="en-US"/>
           </a:p>
         </p:txBody>
       </p:sp>
@@ -4406,14 +4964,14 @@
         <p:nvCxnSpPr>
           <p:cNvPr id="8" name="Straight Arrow Connector 7"/>
           <p:cNvCxnSpPr>
-            <a:stCxn id="6" idx="2"/>
+            <a:stCxn id="14339" idx="2"/>
           </p:cNvCxnSpPr>
           <p:nvPr/>
         </p:nvCxnSpPr>
         <p:spPr>
           <a:xfrm flipH="1">
-            <a:off x="3657600" y="597932"/>
-            <a:ext cx="381000" cy="849868"/>
+            <a:off x="3657600" y="598488"/>
+            <a:ext cx="381000" cy="849312"/>
           </a:xfrm>
           <a:prstGeom prst="straightConnector1">
             <a:avLst/>
@@ -4439,11 +4997,13 @@
       </p:cxnSp>
       <p:sp>
         <p:nvSpPr>
-          <p:cNvPr id="10" name="TextBox 9"/>
-          <p:cNvSpPr txBox="1"/>
+          <p:cNvPr id="14341" name="TextBox 9"/>
+          <p:cNvSpPr txBox="1">
+            <a:spLocks noChangeArrowheads="1"/>
+          </p:cNvSpPr>
           <p:nvPr/>
         </p:nvSpPr>
-        <p:spPr>
+        <p:spPr bwMode="auto">
           <a:xfrm>
             <a:off x="3962400" y="2438400"/>
             <a:ext cx="990600" cy="381000"/>
@@ -4454,19 +5014,22 @@
           <a:solidFill>
             <a:schemeClr val="bg1"/>
           </a:solidFill>
-          <a:ln>
+          <a:ln w="9525">
             <a:solidFill>
               <a:schemeClr val="tx1"/>
             </a:solidFill>
-          </a:ln>
-        </p:spPr>
-        <p:txBody>
-          <a:bodyPr wrap="square" rtlCol="0">
+            <a:miter lim="800000"/>
+            <a:headEnd/>
+            <a:tailEnd/>
+          </a:ln>
+        </p:spPr>
+        <p:txBody>
+          <a:bodyPr>
             <a:spAutoFit/>
           </a:bodyPr>
           <a:lstStyle/>
           <a:p>
-            <a:endParaRPr lang="en-US" dirty="0"/>
+            <a:endParaRPr lang="en-US"/>
           </a:p>
         </p:txBody>
       </p:sp>
@@ -4505,14 +5068,16 @@
       </p:cxnSp>
       <p:sp>
         <p:nvSpPr>
-          <p:cNvPr id="13" name="TextBox 12"/>
-          <p:cNvSpPr txBox="1"/>
+          <p:cNvPr id="14343" name="TextBox 12"/>
+          <p:cNvSpPr txBox="1">
+            <a:spLocks noChangeArrowheads="1"/>
+          </p:cNvSpPr>
           <p:nvPr/>
         </p:nvSpPr>
-        <p:spPr>
+        <p:spPr bwMode="auto">
           <a:xfrm>
             <a:off x="5181600" y="1371600"/>
-            <a:ext cx="1295400" cy="369332"/>
+            <a:ext cx="1295400" cy="369888"/>
           </a:xfrm>
           <a:prstGeom prst="rect">
             <a:avLst/>
@@ -4520,19 +5085,22 @@
           <a:solidFill>
             <a:schemeClr val="bg1"/>
           </a:solidFill>
-          <a:ln>
+          <a:ln w="9525">
             <a:solidFill>
               <a:schemeClr val="tx1"/>
             </a:solidFill>
-          </a:ln>
-        </p:spPr>
-        <p:txBody>
-          <a:bodyPr wrap="square" rtlCol="0">
+            <a:miter lim="800000"/>
+            <a:headEnd/>
+            <a:tailEnd/>
+          </a:ln>
+        </p:spPr>
+        <p:txBody>
+          <a:bodyPr>
             <a:spAutoFit/>
           </a:bodyPr>
           <a:lstStyle/>
           <a:p>
-            <a:endParaRPr lang="en-US" dirty="0"/>
+            <a:endParaRPr lang="en-US"/>
           </a:p>
         </p:txBody>
       </p:sp>
@@ -4540,14 +5108,14 @@
         <p:nvCxnSpPr>
           <p:cNvPr id="15" name="Straight Arrow Connector 14"/>
           <p:cNvCxnSpPr>
-            <a:stCxn id="13" idx="1"/>
+            <a:stCxn id="14343" idx="1"/>
           </p:cNvCxnSpPr>
           <p:nvPr/>
         </p:nvCxnSpPr>
         <p:spPr>
           <a:xfrm flipH="1" flipV="1">
             <a:off x="4419600" y="1524000"/>
-            <a:ext cx="762000" cy="32266"/>
+            <a:ext cx="762000" cy="31750"/>
           </a:xfrm>
           <a:prstGeom prst="straightConnector1">
             <a:avLst/>
@@ -4573,14 +5141,16 @@
       </p:cxnSp>
       <p:sp>
         <p:nvSpPr>
-          <p:cNvPr id="16" name="TextBox 15"/>
-          <p:cNvSpPr txBox="1"/>
+          <p:cNvPr id="14345" name="TextBox 15"/>
+          <p:cNvSpPr txBox="1">
+            <a:spLocks noChangeArrowheads="1"/>
+          </p:cNvSpPr>
           <p:nvPr/>
         </p:nvSpPr>
-        <p:spPr>
+        <p:spPr bwMode="auto">
           <a:xfrm>
             <a:off x="5029200" y="457200"/>
-            <a:ext cx="1371600" cy="369332"/>
+            <a:ext cx="1371600" cy="369888"/>
           </a:xfrm>
           <a:prstGeom prst="rect">
             <a:avLst/>
@@ -4588,19 +5158,22 @@
           <a:solidFill>
             <a:schemeClr val="bg1"/>
           </a:solidFill>
-          <a:ln>
+          <a:ln w="9525">
             <a:solidFill>
               <a:schemeClr val="tx1"/>
             </a:solidFill>
-          </a:ln>
-        </p:spPr>
-        <p:txBody>
-          <a:bodyPr wrap="square" rtlCol="0">
+            <a:miter lim="800000"/>
+            <a:headEnd/>
+            <a:tailEnd/>
+          </a:ln>
+        </p:spPr>
+        <p:txBody>
+          <a:bodyPr>
             <a:spAutoFit/>
           </a:bodyPr>
           <a:lstStyle/>
           <a:p>
-            <a:endParaRPr lang="en-US" dirty="0"/>
+            <a:endParaRPr lang="en-US"/>
           </a:p>
         </p:txBody>
       </p:sp>
@@ -4613,7 +5186,7 @@
         <p:spPr>
           <a:xfrm flipH="1">
             <a:off x="3962400" y="838200"/>
-            <a:ext cx="1143000" cy="286434"/>
+            <a:ext cx="1143000" cy="285750"/>
           </a:xfrm>
           <a:prstGeom prst="straightConnector1">
             <a:avLst/>
@@ -4639,14 +5212,16 @@
       </p:cxnSp>
       <p:sp>
         <p:nvSpPr>
-          <p:cNvPr id="20" name="TextBox 19"/>
-          <p:cNvSpPr txBox="1"/>
+          <p:cNvPr id="14347" name="TextBox 19"/>
+          <p:cNvSpPr txBox="1">
+            <a:spLocks noChangeArrowheads="1"/>
+          </p:cNvSpPr>
           <p:nvPr/>
         </p:nvSpPr>
-        <p:spPr>
+        <p:spPr bwMode="auto">
           <a:xfrm>
             <a:off x="5562600" y="2895600"/>
-            <a:ext cx="914400" cy="369332"/>
+            <a:ext cx="914400" cy="369888"/>
           </a:xfrm>
           <a:prstGeom prst="rect">
             <a:avLst/>
@@ -4654,29 +5229,34 @@
           <a:solidFill>
             <a:schemeClr val="bg1"/>
           </a:solidFill>
-          <a:ln>
+          <a:ln w="9525">
             <a:solidFill>
               <a:schemeClr val="tx1"/>
             </a:solidFill>
-          </a:ln>
-        </p:spPr>
-        <p:txBody>
-          <a:bodyPr wrap="square" rtlCol="0">
+            <a:miter lim="800000"/>
+            <a:headEnd/>
+            <a:tailEnd/>
+          </a:ln>
+        </p:spPr>
+        <p:txBody>
+          <a:bodyPr>
             <a:spAutoFit/>
           </a:bodyPr>
           <a:lstStyle/>
           <a:p>
-            <a:endParaRPr lang="en-US" dirty="0"/>
-          </a:p>
-        </p:txBody>
-      </p:sp>
-      <p:sp>
-        <p:nvSpPr>
-          <p:cNvPr id="21" name="TextBox 20"/>
-          <p:cNvSpPr txBox="1"/>
+            <a:endParaRPr lang="en-US"/>
+          </a:p>
+        </p:txBody>
+      </p:sp>
+      <p:sp>
+        <p:nvSpPr>
+          <p:cNvPr id="14348" name="TextBox 20"/>
+          <p:cNvSpPr txBox="1">
+            <a:spLocks noChangeArrowheads="1"/>
+          </p:cNvSpPr>
           <p:nvPr/>
         </p:nvSpPr>
-        <p:spPr>
+        <p:spPr bwMode="auto">
           <a:xfrm>
             <a:off x="3200400" y="4191000"/>
             <a:ext cx="914400" cy="381000"/>
@@ -4687,19 +5267,22 @@
           <a:solidFill>
             <a:schemeClr val="bg1"/>
           </a:solidFill>
-          <a:ln>
+          <a:ln w="9525">
             <a:solidFill>
               <a:schemeClr val="tx1"/>
             </a:solidFill>
-          </a:ln>
-        </p:spPr>
-        <p:txBody>
-          <a:bodyPr wrap="square" rtlCol="0">
+            <a:miter lim="800000"/>
+            <a:headEnd/>
+            <a:tailEnd/>
+          </a:ln>
+        </p:spPr>
+        <p:txBody>
+          <a:bodyPr>
             <a:spAutoFit/>
           </a:bodyPr>
           <a:lstStyle/>
           <a:p>
-            <a:endParaRPr lang="en-US" dirty="0"/>
+            <a:endParaRPr lang="en-US"/>
           </a:p>
         </p:txBody>
       </p:sp>
@@ -4707,14 +5290,14 @@
         <p:nvCxnSpPr>
           <p:cNvPr id="23" name="Straight Arrow Connector 22"/>
           <p:cNvCxnSpPr>
-            <a:stCxn id="20" idx="2"/>
+            <a:stCxn id="14347" idx="2"/>
           </p:cNvCxnSpPr>
           <p:nvPr/>
         </p:nvCxnSpPr>
         <p:spPr>
           <a:xfrm flipH="1">
-            <a:off x="5334000" y="3264932"/>
-            <a:ext cx="685800" cy="621268"/>
+            <a:off x="5334000" y="3265488"/>
+            <a:ext cx="685800" cy="620712"/>
           </a:xfrm>
           <a:prstGeom prst="straightConnector1">
             <a:avLst/>
@@ -4742,7 +5325,7 @@
         <p:nvCxnSpPr>
           <p:cNvPr id="25" name="Straight Arrow Connector 24"/>
           <p:cNvCxnSpPr>
-            <a:stCxn id="21" idx="3"/>
+            <a:stCxn id="14348" idx="3"/>
           </p:cNvCxnSpPr>
           <p:nvPr/>
         </p:nvCxnSpPr>
@@ -4775,14 +5358,16 @@
       </p:cxnSp>
       <p:sp>
         <p:nvSpPr>
-          <p:cNvPr id="27" name="TextBox 26"/>
-          <p:cNvSpPr txBox="1"/>
+          <p:cNvPr id="14351" name="TextBox 26"/>
+          <p:cNvSpPr txBox="1">
+            <a:spLocks noChangeArrowheads="1"/>
+          </p:cNvSpPr>
           <p:nvPr/>
         </p:nvSpPr>
-        <p:spPr>
+        <p:spPr bwMode="auto">
           <a:xfrm>
             <a:off x="2438400" y="228600"/>
-            <a:ext cx="914400" cy="369332"/>
+            <a:ext cx="914400" cy="369888"/>
           </a:xfrm>
           <a:prstGeom prst="rect">
             <a:avLst/>
@@ -4790,23 +5375,25 @@
           <a:solidFill>
             <a:schemeClr val="bg1"/>
           </a:solidFill>
-          <a:ln>
+          <a:ln w="9525">
             <a:solidFill>
               <a:schemeClr val="tx1"/>
             </a:solidFill>
-          </a:ln>
-        </p:spPr>
-        <p:txBody>
-          <a:bodyPr wrap="square" rtlCol="0">
+            <a:miter lim="800000"/>
+            <a:headEnd/>
+            <a:tailEnd/>
+          </a:ln>
+        </p:spPr>
+        <p:txBody>
+          <a:bodyPr>
             <a:spAutoFit/>
           </a:bodyPr>
           <a:lstStyle/>
           <a:p>
             <a:r>
-              <a:rPr lang="en-US" dirty="0" smtClean="0"/>
+              <a:rPr lang="en-US"/>
               <a:t> </a:t>
             </a:r>
-            <a:endParaRPr lang="en-US" dirty="0"/>
           </a:p>
         </p:txBody>
       </p:sp>
@@ -4814,14 +5401,14 @@
         <p:nvCxnSpPr>
           <p:cNvPr id="28" name="Straight Arrow Connector 27"/>
           <p:cNvCxnSpPr>
-            <a:stCxn id="27" idx="2"/>
+            <a:stCxn id="14351" idx="2"/>
           </p:cNvCxnSpPr>
           <p:nvPr/>
         </p:nvCxnSpPr>
         <p:spPr>
           <a:xfrm>
-            <a:off x="2895600" y="597932"/>
-            <a:ext cx="152400" cy="545068"/>
+            <a:off x="2895600" y="598488"/>
+            <a:ext cx="152400" cy="544512"/>
           </a:xfrm>
           <a:prstGeom prst="straightConnector1">
             <a:avLst/>
@@ -4847,14 +5434,16 @@
       </p:cxnSp>
       <p:sp>
         <p:nvSpPr>
-          <p:cNvPr id="31" name="TextBox 30"/>
-          <p:cNvSpPr txBox="1"/>
+          <p:cNvPr id="14353" name="TextBox 30"/>
+          <p:cNvSpPr txBox="1">
+            <a:spLocks noChangeArrowheads="1"/>
+          </p:cNvSpPr>
           <p:nvPr/>
         </p:nvSpPr>
-        <p:spPr>
+        <p:spPr bwMode="auto">
           <a:xfrm>
             <a:off x="2667000" y="3124200"/>
-            <a:ext cx="1219200" cy="369332"/>
+            <a:ext cx="1219200" cy="369888"/>
           </a:xfrm>
           <a:prstGeom prst="rect">
             <a:avLst/>
@@ -4862,19 +5451,22 @@
           <a:solidFill>
             <a:schemeClr val="bg1"/>
           </a:solidFill>
-          <a:ln>
+          <a:ln w="9525">
             <a:solidFill>
               <a:schemeClr val="tx1"/>
             </a:solidFill>
-          </a:ln>
-        </p:spPr>
-        <p:txBody>
-          <a:bodyPr wrap="square" rtlCol="0">
+            <a:miter lim="800000"/>
+            <a:headEnd/>
+            <a:tailEnd/>
+          </a:ln>
+        </p:spPr>
+        <p:txBody>
+          <a:bodyPr>
             <a:spAutoFit/>
           </a:bodyPr>
           <a:lstStyle/>
           <a:p>
-            <a:endParaRPr lang="en-US" dirty="0"/>
+            <a:endParaRPr lang="en-US"/>
           </a:p>
         </p:txBody>
       </p:sp>
@@ -4882,7 +5474,7 @@
         <p:nvCxnSpPr>
           <p:cNvPr id="32" name="Straight Arrow Connector 31"/>
           <p:cNvCxnSpPr>
-            <a:stCxn id="31" idx="0"/>
+            <a:stCxn id="14353" idx="0"/>
           </p:cNvCxnSpPr>
           <p:nvPr/>
         </p:nvCxnSpPr>
@@ -4915,14 +5507,16 @@
       </p:cxnSp>
       <p:sp>
         <p:nvSpPr>
-          <p:cNvPr id="35" name="TextBox 34"/>
-          <p:cNvSpPr txBox="1"/>
+          <p:cNvPr id="14355" name="TextBox 34"/>
+          <p:cNvSpPr txBox="1">
+            <a:spLocks noChangeArrowheads="1"/>
+          </p:cNvSpPr>
           <p:nvPr/>
         </p:nvSpPr>
-        <p:spPr>
+        <p:spPr bwMode="auto">
           <a:xfrm>
             <a:off x="3962400" y="5867400"/>
-            <a:ext cx="1295400" cy="369332"/>
+            <a:ext cx="1295400" cy="369888"/>
           </a:xfrm>
           <a:prstGeom prst="rect">
             <a:avLst/>
@@ -4930,19 +5524,22 @@
           <a:solidFill>
             <a:schemeClr val="bg1"/>
           </a:solidFill>
-          <a:ln>
+          <a:ln w="9525">
             <a:solidFill>
               <a:schemeClr val="tx1"/>
             </a:solidFill>
-          </a:ln>
-        </p:spPr>
-        <p:txBody>
-          <a:bodyPr wrap="square" rtlCol="0">
+            <a:miter lim="800000"/>
+            <a:headEnd/>
+            <a:tailEnd/>
+          </a:ln>
+        </p:spPr>
+        <p:txBody>
+          <a:bodyPr>
             <a:spAutoFit/>
           </a:bodyPr>
           <a:lstStyle/>
           <a:p>
-            <a:endParaRPr lang="en-US" dirty="0"/>
+            <a:endParaRPr lang="en-US"/>
           </a:p>
         </p:txBody>
       </p:sp>
@@ -4950,14 +5547,14 @@
         <p:nvCxnSpPr>
           <p:cNvPr id="36" name="Straight Arrow Connector 35"/>
           <p:cNvCxnSpPr>
-            <a:stCxn id="35" idx="3"/>
+            <a:stCxn id="14355" idx="3"/>
           </p:cNvCxnSpPr>
           <p:nvPr/>
         </p:nvCxnSpPr>
         <p:spPr>
           <a:xfrm flipV="1">
             <a:off x="5257800" y="5638800"/>
-            <a:ext cx="1981200" cy="413266"/>
+            <a:ext cx="1981200" cy="412750"/>
           </a:xfrm>
           <a:prstGeom prst="straightConnector1">
             <a:avLst/>
@@ -4983,14 +5580,16 @@
       </p:cxnSp>
       <p:sp>
         <p:nvSpPr>
-          <p:cNvPr id="39" name="TextBox 38"/>
-          <p:cNvSpPr txBox="1"/>
+          <p:cNvPr id="14357" name="TextBox 38"/>
+          <p:cNvSpPr txBox="1">
+            <a:spLocks noChangeArrowheads="1"/>
+          </p:cNvSpPr>
           <p:nvPr/>
         </p:nvSpPr>
-        <p:spPr>
+        <p:spPr bwMode="auto">
           <a:xfrm>
             <a:off x="1295400" y="3276600"/>
-            <a:ext cx="1179763" cy="369332"/>
+            <a:ext cx="1179513" cy="369888"/>
           </a:xfrm>
           <a:prstGeom prst="rect">
             <a:avLst/>
@@ -4998,20 +5597,23 @@
           <a:solidFill>
             <a:schemeClr val="bg1"/>
           </a:solidFill>
-          <a:ln>
+          <a:ln w="9525">
             <a:solidFill>
               <a:schemeClr val="tx1"/>
             </a:solidFill>
-          </a:ln>
-        </p:spPr>
-        <p:txBody>
-          <a:bodyPr wrap="square" rtlCol="0">
+            <a:miter lim="800000"/>
+            <a:headEnd/>
+            <a:tailEnd/>
+          </a:ln>
+        </p:spPr>
+        <p:txBody>
+          <a:bodyPr>
             <a:spAutoFit/>
           </a:bodyPr>
           <a:lstStyle/>
           <a:p>
             <a:pPr algn="ctr"/>
-            <a:endParaRPr lang="en-US" dirty="0"/>
+            <a:endParaRPr lang="en-US"/>
           </a:p>
         </p:txBody>
       </p:sp>
@@ -5019,14 +5621,14 @@
         <p:nvCxnSpPr>
           <p:cNvPr id="40" name="Straight Arrow Connector 39"/>
           <p:cNvCxnSpPr>
-            <a:stCxn id="39" idx="0"/>
+            <a:stCxn id="14357" idx="0"/>
           </p:cNvCxnSpPr>
           <p:nvPr/>
         </p:nvCxnSpPr>
         <p:spPr>
           <a:xfrm flipH="1" flipV="1">
             <a:off x="1828800" y="2438400"/>
-            <a:ext cx="56482" cy="838200"/>
+            <a:ext cx="57150" cy="838200"/>
           </a:xfrm>
           <a:prstGeom prst="straightConnector1">
             <a:avLst/>
@@ -5052,14 +5654,16 @@
       </p:cxnSp>
       <p:sp>
         <p:nvSpPr>
-          <p:cNvPr id="26" name="TextBox 25"/>
-          <p:cNvSpPr txBox="1"/>
+          <p:cNvPr id="14359" name="TextBox 25"/>
+          <p:cNvSpPr txBox="1">
+            <a:spLocks noChangeArrowheads="1"/>
+          </p:cNvSpPr>
           <p:nvPr/>
         </p:nvSpPr>
-        <p:spPr>
+        <p:spPr bwMode="auto">
           <a:xfrm>
             <a:off x="304800" y="2286000"/>
-            <a:ext cx="1143000" cy="369332"/>
+            <a:ext cx="1143000" cy="369888"/>
           </a:xfrm>
           <a:prstGeom prst="rect">
             <a:avLst/>
@@ -5067,20 +5671,23 @@
           <a:solidFill>
             <a:schemeClr val="bg1"/>
           </a:solidFill>
-          <a:ln>
+          <a:ln w="9525">
             <a:solidFill>
               <a:schemeClr val="tx1"/>
             </a:solidFill>
-          </a:ln>
-        </p:spPr>
-        <p:txBody>
-          <a:bodyPr wrap="square" rtlCol="0">
+            <a:miter lim="800000"/>
+            <a:headEnd/>
+            <a:tailEnd/>
+          </a:ln>
+        </p:spPr>
+        <p:txBody>
+          <a:bodyPr>
             <a:spAutoFit/>
           </a:bodyPr>
           <a:lstStyle/>
           <a:p>
             <a:pPr algn="ctr"/>
-            <a:endParaRPr lang="en-US" dirty="0"/>
+            <a:endParaRPr lang="en-US"/>
           </a:p>
         </p:txBody>
       </p:sp>
@@ -5088,7 +5695,7 @@
         <p:nvCxnSpPr>
           <p:cNvPr id="34" name="Straight Arrow Connector 33"/>
           <p:cNvCxnSpPr>
-            <a:stCxn id="26" idx="0"/>
+            <a:stCxn id="14359" idx="0"/>
           </p:cNvCxnSpPr>
           <p:nvPr/>
         </p:nvCxnSpPr>
@@ -5121,14 +5728,16 @@
       </p:cxnSp>
       <p:sp>
         <p:nvSpPr>
-          <p:cNvPr id="42" name="TextBox 41"/>
-          <p:cNvSpPr txBox="1"/>
+          <p:cNvPr id="14361" name="TextBox 41"/>
+          <p:cNvSpPr txBox="1">
+            <a:spLocks noChangeArrowheads="1"/>
+          </p:cNvSpPr>
           <p:nvPr/>
         </p:nvSpPr>
-        <p:spPr>
+        <p:spPr bwMode="auto">
           <a:xfrm>
             <a:off x="1371600" y="152400"/>
-            <a:ext cx="914400" cy="369332"/>
+            <a:ext cx="914400" cy="369888"/>
           </a:xfrm>
           <a:prstGeom prst="rect">
             <a:avLst/>
@@ -5136,23 +5745,25 @@
           <a:solidFill>
             <a:schemeClr val="bg1"/>
           </a:solidFill>
-          <a:ln>
+          <a:ln w="9525">
             <a:solidFill>
               <a:schemeClr val="tx1"/>
             </a:solidFill>
-          </a:ln>
-        </p:spPr>
-        <p:txBody>
-          <a:bodyPr wrap="square" rtlCol="0">
+            <a:miter lim="800000"/>
+            <a:headEnd/>
+            <a:tailEnd/>
+          </a:ln>
+        </p:spPr>
+        <p:txBody>
+          <a:bodyPr>
             <a:spAutoFit/>
           </a:bodyPr>
           <a:lstStyle/>
           <a:p>
             <a:r>
-              <a:rPr lang="en-US" dirty="0" smtClean="0"/>
+              <a:rPr lang="en-US"/>
               <a:t> </a:t>
             </a:r>
-            <a:endParaRPr lang="en-US" dirty="0"/>
           </a:p>
         </p:txBody>
       </p:sp>
@@ -5160,14 +5771,14 @@
         <p:nvCxnSpPr>
           <p:cNvPr id="43" name="Straight Arrow Connector 42"/>
           <p:cNvCxnSpPr>
-            <a:stCxn id="42" idx="2"/>
+            <a:stCxn id="14361" idx="2"/>
           </p:cNvCxnSpPr>
           <p:nvPr/>
         </p:nvCxnSpPr>
         <p:spPr>
           <a:xfrm>
-            <a:off x="1828800" y="521732"/>
-            <a:ext cx="304800" cy="545068"/>
+            <a:off x="1828800" y="522288"/>
+            <a:ext cx="304800" cy="544512"/>
           </a:xfrm>
           <a:prstGeom prst="straightConnector1">
             <a:avLst/>
@@ -5193,14 +5804,16 @@
       </p:cxnSp>
       <p:sp>
         <p:nvSpPr>
-          <p:cNvPr id="57" name="TextBox 56"/>
-          <p:cNvSpPr txBox="1"/>
+          <p:cNvPr id="14363" name="TextBox 56"/>
+          <p:cNvSpPr txBox="1">
+            <a:spLocks noChangeArrowheads="1"/>
+          </p:cNvSpPr>
           <p:nvPr/>
         </p:nvSpPr>
-        <p:spPr>
+        <p:spPr bwMode="auto">
           <a:xfrm>
             <a:off x="7772400" y="3962400"/>
-            <a:ext cx="914400" cy="369332"/>
+            <a:ext cx="914400" cy="369888"/>
           </a:xfrm>
           <a:prstGeom prst="rect">
             <a:avLst/>
@@ -5208,19 +5821,22 @@
           <a:solidFill>
             <a:schemeClr val="bg1"/>
           </a:solidFill>
-          <a:ln>
+          <a:ln w="9525">
             <a:solidFill>
               <a:schemeClr val="tx1"/>
             </a:solidFill>
-          </a:ln>
-        </p:spPr>
-        <p:txBody>
-          <a:bodyPr wrap="square" rtlCol="0">
+            <a:miter lim="800000"/>
+            <a:headEnd/>
+            <a:tailEnd/>
+          </a:ln>
+        </p:spPr>
+        <p:txBody>
+          <a:bodyPr>
             <a:spAutoFit/>
           </a:bodyPr>
           <a:lstStyle/>
           <a:p>
-            <a:endParaRPr lang="en-US" dirty="0"/>
+            <a:endParaRPr lang="en-US"/>
           </a:p>
         </p:txBody>
       </p:sp>
@@ -5228,14 +5844,14 @@
         <p:nvCxnSpPr>
           <p:cNvPr id="58" name="Straight Arrow Connector 57"/>
           <p:cNvCxnSpPr>
-            <a:stCxn id="57" idx="2"/>
+            <a:stCxn id="14363" idx="2"/>
           </p:cNvCxnSpPr>
           <p:nvPr/>
         </p:nvCxnSpPr>
         <p:spPr>
           <a:xfrm flipH="1">
-            <a:off x="7543800" y="4331732"/>
-            <a:ext cx="685800" cy="709136"/>
+            <a:off x="7543800" y="4332288"/>
+            <a:ext cx="685800" cy="708025"/>
           </a:xfrm>
           <a:prstGeom prst="straightConnector1">
             <a:avLst/>
